--- a/old/Figures/figExo.pptx
+++ b/old/Figures/figExo.pptx
@@ -5,7 +5,7 @@
     <p:sldMasterId id="2147483648" r:id="rId1"/>
   </p:sldMasterIdLst>
   <p:notesMasterIdLst>
-    <p:notesMasterId r:id="rId7"/>
+    <p:notesMasterId r:id="rId13"/>
   </p:notesMasterIdLst>
   <p:sldIdLst>
     <p:sldId id="256" r:id="rId2"/>
@@ -13,6 +13,12 @@
     <p:sldId id="258" r:id="rId4"/>
     <p:sldId id="259" r:id="rId5"/>
     <p:sldId id="260" r:id="rId6"/>
+    <p:sldId id="261" r:id="rId7"/>
+    <p:sldId id="262" r:id="rId8"/>
+    <p:sldId id="263" r:id="rId9"/>
+    <p:sldId id="265" r:id="rId10"/>
+    <p:sldId id="266" r:id="rId11"/>
+    <p:sldId id="264" r:id="rId12"/>
   </p:sldIdLst>
   <p:sldSz cx="12192000" cy="6858000"/>
   <p:notesSz cx="6858000" cy="9144000"/>
@@ -4532,6 +4538,671 @@
 </p:sld>
 </file>
 
+<file path=ppt/slides/slide10.xml><?xml version="1.0" encoding="utf-8"?>
+<p:sld xmlns:a="http://schemas.openxmlformats.org/drawingml/2006/main" xmlns:r="http://schemas.openxmlformats.org/officeDocument/2006/relationships" xmlns:p="http://schemas.openxmlformats.org/presentationml/2006/main">
+  <p:cSld>
+    <p:spTree>
+      <p:nvGrpSpPr>
+        <p:cNvPr id="1" name=""/>
+        <p:cNvGrpSpPr/>
+        <p:nvPr/>
+      </p:nvGrpSpPr>
+      <p:grpSpPr>
+        <a:xfrm>
+          <a:off x="0" y="0"/>
+          <a:ext cx="0" cy="0"/>
+          <a:chOff x="0" y="0"/>
+          <a:chExt cx="0" cy="0"/>
+        </a:xfrm>
+      </p:grpSpPr>
+      <p:sp>
+        <p:nvSpPr>
+          <p:cNvPr id="8" name="Oval 7"/>
+          <p:cNvSpPr/>
+          <p:nvPr/>
+        </p:nvSpPr>
+        <p:spPr>
+          <a:xfrm>
+            <a:off x="4201160" y="426720"/>
+            <a:ext cx="1859280" cy="1524000"/>
+          </a:xfrm>
+          <a:prstGeom prst="ellipse">
+            <a:avLst/>
+          </a:prstGeom>
+          <a:solidFill>
+            <a:schemeClr val="bg1">
+              <a:lumMod val="85000"/>
+            </a:schemeClr>
+          </a:solidFill>
+          <a:ln>
+            <a:solidFill>
+              <a:schemeClr val="tx1"/>
+            </a:solidFill>
+          </a:ln>
+        </p:spPr>
+        <p:style>
+          <a:lnRef idx="2">
+            <a:schemeClr val="accent1">
+              <a:shade val="50000"/>
+            </a:schemeClr>
+          </a:lnRef>
+          <a:fillRef idx="1">
+            <a:schemeClr val="accent1"/>
+          </a:fillRef>
+          <a:effectRef idx="0">
+            <a:schemeClr val="accent1"/>
+          </a:effectRef>
+          <a:fontRef idx="minor">
+            <a:schemeClr val="lt1"/>
+          </a:fontRef>
+        </p:style>
+        <p:txBody>
+          <a:bodyPr rtlCol="0" anchor="ctr"/>
+          <a:lstStyle/>
+          <a:p>
+            <a:pPr algn="ctr"/>
+            <a:r>
+              <a:rPr lang="en-US" smtClean="0"/>
+              <a:t>Exokernel</a:t>
+            </a:r>
+            <a:endParaRPr lang="en-US" dirty="0"/>
+          </a:p>
+        </p:txBody>
+      </p:sp>
+      <p:sp>
+        <p:nvSpPr>
+          <p:cNvPr id="9" name="Oval 8"/>
+          <p:cNvSpPr/>
+          <p:nvPr/>
+        </p:nvSpPr>
+        <p:spPr>
+          <a:xfrm>
+            <a:off x="2341880" y="1950720"/>
+            <a:ext cx="1859280" cy="1524000"/>
+          </a:xfrm>
+          <a:prstGeom prst="ellipse">
+            <a:avLst/>
+          </a:prstGeom>
+          <a:solidFill>
+            <a:schemeClr val="accent2"/>
+          </a:solidFill>
+          <a:ln>
+            <a:solidFill>
+              <a:schemeClr val="tx1"/>
+            </a:solidFill>
+          </a:ln>
+        </p:spPr>
+        <p:style>
+          <a:lnRef idx="2">
+            <a:schemeClr val="accent1">
+              <a:shade val="50000"/>
+            </a:schemeClr>
+          </a:lnRef>
+          <a:fillRef idx="1">
+            <a:schemeClr val="accent1"/>
+          </a:fillRef>
+          <a:effectRef idx="0">
+            <a:schemeClr val="accent1"/>
+          </a:effectRef>
+          <a:fontRef idx="minor">
+            <a:schemeClr val="lt1"/>
+          </a:fontRef>
+        </p:style>
+        <p:txBody>
+          <a:bodyPr rtlCol="0" anchor="ctr"/>
+          <a:lstStyle/>
+          <a:p>
+            <a:pPr algn="ctr"/>
+            <a:r>
+              <a:rPr lang="en-US" dirty="0" err="1" smtClean="0"/>
+              <a:t>Unikernel</a:t>
+            </a:r>
+            <a:endParaRPr lang="en-US" dirty="0"/>
+          </a:p>
+        </p:txBody>
+      </p:sp>
+      <p:sp>
+        <p:nvSpPr>
+          <p:cNvPr id="10" name="Oval 9"/>
+          <p:cNvSpPr/>
+          <p:nvPr/>
+        </p:nvSpPr>
+        <p:spPr>
+          <a:xfrm>
+            <a:off x="6124445" y="1950720"/>
+            <a:ext cx="3110996" cy="2286000"/>
+          </a:xfrm>
+          <a:prstGeom prst="ellipse">
+            <a:avLst/>
+          </a:prstGeom>
+          <a:solidFill>
+            <a:schemeClr val="accent5">
+              <a:lumMod val="75000"/>
+            </a:schemeClr>
+          </a:solidFill>
+          <a:ln>
+            <a:solidFill>
+              <a:schemeClr val="tx1"/>
+            </a:solidFill>
+          </a:ln>
+        </p:spPr>
+        <p:style>
+          <a:lnRef idx="2">
+            <a:schemeClr val="accent1">
+              <a:shade val="50000"/>
+            </a:schemeClr>
+          </a:lnRef>
+          <a:fillRef idx="1">
+            <a:schemeClr val="accent1"/>
+          </a:fillRef>
+          <a:effectRef idx="0">
+            <a:schemeClr val="accent1"/>
+          </a:effectRef>
+          <a:fontRef idx="minor">
+            <a:schemeClr val="lt1"/>
+          </a:fontRef>
+        </p:style>
+        <p:txBody>
+          <a:bodyPr rtlCol="0" anchor="ctr"/>
+          <a:lstStyle/>
+          <a:p>
+            <a:pPr algn="ctr"/>
+            <a:r>
+              <a:rPr lang="en-US" sz="2800" dirty="0" smtClean="0"/>
+              <a:t>Haven</a:t>
+            </a:r>
+            <a:endParaRPr lang="en-US" sz="2800" dirty="0"/>
+          </a:p>
+        </p:txBody>
+      </p:sp>
+      <p:cxnSp>
+        <p:nvCxnSpPr>
+          <p:cNvPr id="11" name="Straight Connector 10"/>
+          <p:cNvCxnSpPr>
+            <a:stCxn id="9" idx="0"/>
+            <a:endCxn id="8" idx="3"/>
+          </p:cNvCxnSpPr>
+          <p:nvPr/>
+        </p:nvCxnSpPr>
+        <p:spPr>
+          <a:xfrm flipV="1">
+            <a:off x="3271520" y="1727535"/>
+            <a:ext cx="1201925" cy="223185"/>
+          </a:xfrm>
+          <a:prstGeom prst="line">
+            <a:avLst/>
+          </a:prstGeom>
+          <a:ln w="12700">
+            <a:solidFill>
+              <a:schemeClr val="tx1"/>
+            </a:solidFill>
+          </a:ln>
+        </p:spPr>
+        <p:style>
+          <a:lnRef idx="1">
+            <a:schemeClr val="accent1"/>
+          </a:lnRef>
+          <a:fillRef idx="0">
+            <a:schemeClr val="accent1"/>
+          </a:fillRef>
+          <a:effectRef idx="0">
+            <a:schemeClr val="accent1"/>
+          </a:effectRef>
+          <a:fontRef idx="minor">
+            <a:schemeClr val="tx1"/>
+          </a:fontRef>
+        </p:style>
+      </p:cxnSp>
+      <p:cxnSp>
+        <p:nvCxnSpPr>
+          <p:cNvPr id="12" name="Straight Connector 11"/>
+          <p:cNvCxnSpPr>
+            <a:stCxn id="8" idx="5"/>
+            <a:endCxn id="10" idx="0"/>
+          </p:cNvCxnSpPr>
+          <p:nvPr/>
+        </p:nvCxnSpPr>
+        <p:spPr>
+          <a:xfrm>
+            <a:off x="5788155" y="1727535"/>
+            <a:ext cx="1891788" cy="223185"/>
+          </a:xfrm>
+          <a:prstGeom prst="line">
+            <a:avLst/>
+          </a:prstGeom>
+          <a:ln w="12700">
+            <a:solidFill>
+              <a:schemeClr val="tx1"/>
+            </a:solidFill>
+          </a:ln>
+        </p:spPr>
+        <p:style>
+          <a:lnRef idx="1">
+            <a:schemeClr val="accent1"/>
+          </a:lnRef>
+          <a:fillRef idx="0">
+            <a:schemeClr val="accent1"/>
+          </a:fillRef>
+          <a:effectRef idx="0">
+            <a:schemeClr val="accent1"/>
+          </a:effectRef>
+          <a:fontRef idx="minor">
+            <a:schemeClr val="tx1"/>
+          </a:fontRef>
+        </p:style>
+      </p:cxnSp>
+    </p:spTree>
+    <p:extLst>
+      <p:ext uri="{BB962C8B-B14F-4D97-AF65-F5344CB8AC3E}">
+        <p14:creationId xmlns:p14="http://schemas.microsoft.com/office/powerpoint/2010/main" val="1233845108"/>
+      </p:ext>
+    </p:extLst>
+  </p:cSld>
+  <p:clrMapOvr>
+    <a:masterClrMapping/>
+  </p:clrMapOvr>
+</p:sld>
+</file>
+
+<file path=ppt/slides/slide11.xml><?xml version="1.0" encoding="utf-8"?>
+<p:sld xmlns:a="http://schemas.openxmlformats.org/drawingml/2006/main" xmlns:r="http://schemas.openxmlformats.org/officeDocument/2006/relationships" xmlns:p="http://schemas.openxmlformats.org/presentationml/2006/main">
+  <p:cSld>
+    <p:spTree>
+      <p:nvGrpSpPr>
+        <p:cNvPr id="1" name=""/>
+        <p:cNvGrpSpPr/>
+        <p:nvPr/>
+      </p:nvGrpSpPr>
+      <p:grpSpPr>
+        <a:xfrm>
+          <a:off x="0" y="0"/>
+          <a:ext cx="0" cy="0"/>
+          <a:chOff x="0" y="0"/>
+          <a:chExt cx="0" cy="0"/>
+        </a:xfrm>
+      </p:grpSpPr>
+      <p:sp>
+        <p:nvSpPr>
+          <p:cNvPr id="2" name="Oval 1"/>
+          <p:cNvSpPr/>
+          <p:nvPr/>
+        </p:nvSpPr>
+        <p:spPr>
+          <a:xfrm>
+            <a:off x="5247640" y="426720"/>
+            <a:ext cx="1859280" cy="1524000"/>
+          </a:xfrm>
+          <a:prstGeom prst="ellipse">
+            <a:avLst/>
+          </a:prstGeom>
+          <a:solidFill>
+            <a:schemeClr val="bg1">
+              <a:lumMod val="85000"/>
+            </a:schemeClr>
+          </a:solidFill>
+          <a:ln>
+            <a:solidFill>
+              <a:schemeClr val="tx1"/>
+            </a:solidFill>
+          </a:ln>
+        </p:spPr>
+        <p:style>
+          <a:lnRef idx="2">
+            <a:schemeClr val="accent1">
+              <a:shade val="50000"/>
+            </a:schemeClr>
+          </a:lnRef>
+          <a:fillRef idx="1">
+            <a:schemeClr val="accent1"/>
+          </a:fillRef>
+          <a:effectRef idx="0">
+            <a:schemeClr val="accent1"/>
+          </a:effectRef>
+          <a:fontRef idx="minor">
+            <a:schemeClr val="lt1"/>
+          </a:fontRef>
+        </p:style>
+        <p:txBody>
+          <a:bodyPr rtlCol="0" anchor="ctr"/>
+          <a:lstStyle/>
+          <a:p>
+            <a:pPr algn="ctr"/>
+            <a:r>
+              <a:rPr lang="en-US" smtClean="0"/>
+              <a:t>Exokernel</a:t>
+            </a:r>
+            <a:endParaRPr lang="en-US" dirty="0"/>
+          </a:p>
+        </p:txBody>
+      </p:sp>
+      <p:sp>
+        <p:nvSpPr>
+          <p:cNvPr id="3" name="Oval 2"/>
+          <p:cNvSpPr/>
+          <p:nvPr/>
+        </p:nvSpPr>
+        <p:spPr>
+          <a:xfrm>
+            <a:off x="3388360" y="1950720"/>
+            <a:ext cx="1859280" cy="1524000"/>
+          </a:xfrm>
+          <a:prstGeom prst="ellipse">
+            <a:avLst/>
+          </a:prstGeom>
+          <a:solidFill>
+            <a:schemeClr val="accent2"/>
+          </a:solidFill>
+          <a:ln>
+            <a:solidFill>
+              <a:schemeClr val="tx1"/>
+            </a:solidFill>
+          </a:ln>
+        </p:spPr>
+        <p:style>
+          <a:lnRef idx="2">
+            <a:schemeClr val="accent1">
+              <a:shade val="50000"/>
+            </a:schemeClr>
+          </a:lnRef>
+          <a:fillRef idx="1">
+            <a:schemeClr val="accent1"/>
+          </a:fillRef>
+          <a:effectRef idx="0">
+            <a:schemeClr val="accent1"/>
+          </a:effectRef>
+          <a:fontRef idx="minor">
+            <a:schemeClr val="lt1"/>
+          </a:fontRef>
+        </p:style>
+        <p:txBody>
+          <a:bodyPr rtlCol="0" anchor="ctr"/>
+          <a:lstStyle/>
+          <a:p>
+            <a:pPr algn="ctr"/>
+            <a:r>
+              <a:rPr lang="en-US" dirty="0" err="1" smtClean="0"/>
+              <a:t>Unikernel</a:t>
+            </a:r>
+            <a:endParaRPr lang="en-US" dirty="0"/>
+          </a:p>
+        </p:txBody>
+      </p:sp>
+      <p:sp>
+        <p:nvSpPr>
+          <p:cNvPr id="4" name="Oval 3"/>
+          <p:cNvSpPr/>
+          <p:nvPr/>
+        </p:nvSpPr>
+        <p:spPr>
+          <a:xfrm>
+            <a:off x="7170925" y="1950720"/>
+            <a:ext cx="1859280" cy="1524000"/>
+          </a:xfrm>
+          <a:prstGeom prst="ellipse">
+            <a:avLst/>
+          </a:prstGeom>
+          <a:solidFill>
+            <a:schemeClr val="accent5">
+              <a:lumMod val="75000"/>
+            </a:schemeClr>
+          </a:solidFill>
+          <a:ln>
+            <a:solidFill>
+              <a:schemeClr val="tx1"/>
+            </a:solidFill>
+          </a:ln>
+        </p:spPr>
+        <p:style>
+          <a:lnRef idx="2">
+            <a:schemeClr val="accent1">
+              <a:shade val="50000"/>
+            </a:schemeClr>
+          </a:lnRef>
+          <a:fillRef idx="1">
+            <a:schemeClr val="accent1"/>
+          </a:fillRef>
+          <a:effectRef idx="0">
+            <a:schemeClr val="accent1"/>
+          </a:effectRef>
+          <a:fontRef idx="minor">
+            <a:schemeClr val="lt1"/>
+          </a:fontRef>
+        </p:style>
+        <p:txBody>
+          <a:bodyPr rtlCol="0" anchor="ctr"/>
+          <a:lstStyle/>
+          <a:p>
+            <a:pPr algn="ctr"/>
+            <a:r>
+              <a:rPr lang="en-US" dirty="0" smtClean="0"/>
+              <a:t>Haven</a:t>
+            </a:r>
+            <a:endParaRPr lang="en-US" dirty="0"/>
+          </a:p>
+        </p:txBody>
+      </p:sp>
+      <p:cxnSp>
+        <p:nvCxnSpPr>
+          <p:cNvPr id="5" name="Straight Connector 4"/>
+          <p:cNvCxnSpPr>
+            <a:stCxn id="3" idx="0"/>
+            <a:endCxn id="2" idx="3"/>
+          </p:cNvCxnSpPr>
+          <p:nvPr/>
+        </p:nvCxnSpPr>
+        <p:spPr>
+          <a:xfrm flipV="1">
+            <a:off x="4318000" y="1727535"/>
+            <a:ext cx="1201925" cy="223185"/>
+          </a:xfrm>
+          <a:prstGeom prst="line">
+            <a:avLst/>
+          </a:prstGeom>
+          <a:ln w="12700">
+            <a:solidFill>
+              <a:schemeClr val="tx1"/>
+            </a:solidFill>
+          </a:ln>
+        </p:spPr>
+        <p:style>
+          <a:lnRef idx="1">
+            <a:schemeClr val="accent1"/>
+          </a:lnRef>
+          <a:fillRef idx="0">
+            <a:schemeClr val="accent1"/>
+          </a:fillRef>
+          <a:effectRef idx="0">
+            <a:schemeClr val="accent1"/>
+          </a:effectRef>
+          <a:fontRef idx="minor">
+            <a:schemeClr val="tx1"/>
+          </a:fontRef>
+        </p:style>
+      </p:cxnSp>
+      <p:cxnSp>
+        <p:nvCxnSpPr>
+          <p:cNvPr id="6" name="Straight Connector 5"/>
+          <p:cNvCxnSpPr>
+            <a:stCxn id="2" idx="5"/>
+            <a:endCxn id="4" idx="0"/>
+          </p:cNvCxnSpPr>
+          <p:nvPr/>
+        </p:nvCxnSpPr>
+        <p:spPr>
+          <a:xfrm>
+            <a:off x="6834635" y="1727535"/>
+            <a:ext cx="1265930" cy="223185"/>
+          </a:xfrm>
+          <a:prstGeom prst="line">
+            <a:avLst/>
+          </a:prstGeom>
+          <a:ln w="12700">
+            <a:solidFill>
+              <a:schemeClr val="tx1"/>
+            </a:solidFill>
+          </a:ln>
+        </p:spPr>
+        <p:style>
+          <a:lnRef idx="1">
+            <a:schemeClr val="accent1"/>
+          </a:lnRef>
+          <a:fillRef idx="0">
+            <a:schemeClr val="accent1"/>
+          </a:fillRef>
+          <a:effectRef idx="0">
+            <a:schemeClr val="accent1"/>
+          </a:effectRef>
+          <a:fontRef idx="minor">
+            <a:schemeClr val="tx1"/>
+          </a:fontRef>
+        </p:style>
+      </p:cxnSp>
+      <p:sp>
+        <p:nvSpPr>
+          <p:cNvPr id="7" name="Oval 6"/>
+          <p:cNvSpPr/>
+          <p:nvPr/>
+        </p:nvSpPr>
+        <p:spPr>
+          <a:xfrm>
+            <a:off x="5247640" y="4104640"/>
+            <a:ext cx="1859280" cy="1524000"/>
+          </a:xfrm>
+          <a:prstGeom prst="ellipse">
+            <a:avLst/>
+          </a:prstGeom>
+          <a:solidFill>
+            <a:schemeClr val="accent6">
+              <a:lumMod val="60000"/>
+              <a:lumOff val="40000"/>
+            </a:schemeClr>
+          </a:solidFill>
+          <a:ln>
+            <a:solidFill>
+              <a:schemeClr val="tx1"/>
+            </a:solidFill>
+          </a:ln>
+        </p:spPr>
+        <p:style>
+          <a:lnRef idx="2">
+            <a:schemeClr val="accent1">
+              <a:shade val="50000"/>
+            </a:schemeClr>
+          </a:lnRef>
+          <a:fillRef idx="1">
+            <a:schemeClr val="accent1"/>
+          </a:fillRef>
+          <a:effectRef idx="0">
+            <a:schemeClr val="accent1"/>
+          </a:effectRef>
+          <a:fontRef idx="minor">
+            <a:schemeClr val="lt1"/>
+          </a:fontRef>
+        </p:style>
+        <p:txBody>
+          <a:bodyPr rtlCol="0" anchor="ctr"/>
+          <a:lstStyle/>
+          <a:p>
+            <a:pPr algn="ctr"/>
+            <a:r>
+              <a:rPr lang="en-US" smtClean="0"/>
+              <a:t>Research Proposal</a:t>
+            </a:r>
+            <a:endParaRPr lang="en-US" dirty="0"/>
+          </a:p>
+        </p:txBody>
+      </p:sp>
+      <p:cxnSp>
+        <p:nvCxnSpPr>
+          <p:cNvPr id="9" name="Straight Arrow Connector 8"/>
+          <p:cNvCxnSpPr>
+            <a:stCxn id="3" idx="4"/>
+            <a:endCxn id="7" idx="0"/>
+          </p:cNvCxnSpPr>
+          <p:nvPr/>
+        </p:nvCxnSpPr>
+        <p:spPr>
+          <a:xfrm>
+            <a:off x="4318000" y="3474720"/>
+            <a:ext cx="1859280" cy="629920"/>
+          </a:xfrm>
+          <a:prstGeom prst="straightConnector1">
+            <a:avLst/>
+          </a:prstGeom>
+          <a:ln w="12700">
+            <a:solidFill>
+              <a:schemeClr val="tx1"/>
+            </a:solidFill>
+            <a:tailEnd type="triangle"/>
+          </a:ln>
+        </p:spPr>
+        <p:style>
+          <a:lnRef idx="1">
+            <a:schemeClr val="accent1"/>
+          </a:lnRef>
+          <a:fillRef idx="0">
+            <a:schemeClr val="accent1"/>
+          </a:fillRef>
+          <a:effectRef idx="0">
+            <a:schemeClr val="accent1"/>
+          </a:effectRef>
+          <a:fontRef idx="minor">
+            <a:schemeClr val="tx1"/>
+          </a:fontRef>
+        </p:style>
+      </p:cxnSp>
+      <p:cxnSp>
+        <p:nvCxnSpPr>
+          <p:cNvPr id="11" name="Straight Arrow Connector 10"/>
+          <p:cNvCxnSpPr>
+            <a:stCxn id="4" idx="4"/>
+            <a:endCxn id="7" idx="0"/>
+          </p:cNvCxnSpPr>
+          <p:nvPr/>
+        </p:nvCxnSpPr>
+        <p:spPr>
+          <a:xfrm flipH="1">
+            <a:off x="6177280" y="3474720"/>
+            <a:ext cx="1923285" cy="629920"/>
+          </a:xfrm>
+          <a:prstGeom prst="straightConnector1">
+            <a:avLst/>
+          </a:prstGeom>
+          <a:ln w="12700">
+            <a:solidFill>
+              <a:schemeClr val="tx1"/>
+            </a:solidFill>
+            <a:tailEnd type="triangle"/>
+          </a:ln>
+        </p:spPr>
+        <p:style>
+          <a:lnRef idx="1">
+            <a:schemeClr val="accent1"/>
+          </a:lnRef>
+          <a:fillRef idx="0">
+            <a:schemeClr val="accent1"/>
+          </a:fillRef>
+          <a:effectRef idx="0">
+            <a:schemeClr val="accent1"/>
+          </a:effectRef>
+          <a:fontRef idx="minor">
+            <a:schemeClr val="tx1"/>
+          </a:fontRef>
+        </p:style>
+      </p:cxnSp>
+    </p:spTree>
+    <p:extLst>
+      <p:ext uri="{BB962C8B-B14F-4D97-AF65-F5344CB8AC3E}">
+        <p14:creationId xmlns:p14="http://schemas.microsoft.com/office/powerpoint/2010/main" val="382371843"/>
+      </p:ext>
+    </p:extLst>
+  </p:cSld>
+  <p:clrMapOvr>
+    <a:masterClrMapping/>
+  </p:clrMapOvr>
+</p:sld>
+</file>
+
 <file path=ppt/slides/slide2.xml><?xml version="1.0" encoding="utf-8"?>
 <p:sld xmlns:a="http://schemas.openxmlformats.org/drawingml/2006/main" xmlns:r="http://schemas.openxmlformats.org/officeDocument/2006/relationships" xmlns:p="http://schemas.openxmlformats.org/presentationml/2006/main">
   <p:cSld>
@@ -7585,6 +8256,1691 @@
     <p:extLst>
       <p:ext uri="{BB962C8B-B14F-4D97-AF65-F5344CB8AC3E}">
         <p14:creationId xmlns:p14="http://schemas.microsoft.com/office/powerpoint/2010/main" val="1682779597"/>
+      </p:ext>
+    </p:extLst>
+  </p:cSld>
+  <p:clrMapOvr>
+    <a:masterClrMapping/>
+  </p:clrMapOvr>
+</p:sld>
+</file>
+
+<file path=ppt/slides/slide6.xml><?xml version="1.0" encoding="utf-8"?>
+<p:sld xmlns:a="http://schemas.openxmlformats.org/drawingml/2006/main" xmlns:r="http://schemas.openxmlformats.org/officeDocument/2006/relationships" xmlns:p="http://schemas.openxmlformats.org/presentationml/2006/main">
+  <p:cSld>
+    <p:spTree>
+      <p:nvGrpSpPr>
+        <p:cNvPr id="1" name=""/>
+        <p:cNvGrpSpPr/>
+        <p:nvPr/>
+      </p:nvGrpSpPr>
+      <p:grpSpPr>
+        <a:xfrm>
+          <a:off x="0" y="0"/>
+          <a:ext cx="0" cy="0"/>
+          <a:chOff x="0" y="0"/>
+          <a:chExt cx="0" cy="0"/>
+        </a:xfrm>
+      </p:grpSpPr>
+      <p:sp>
+        <p:nvSpPr>
+          <p:cNvPr id="2" name="Rectangle 1"/>
+          <p:cNvSpPr/>
+          <p:nvPr/>
+        </p:nvSpPr>
+        <p:spPr>
+          <a:xfrm>
+            <a:off x="1040973" y="4930923"/>
+            <a:ext cx="3418317" cy="700756"/>
+          </a:xfrm>
+          <a:prstGeom prst="rect">
+            <a:avLst/>
+          </a:prstGeom>
+          <a:solidFill>
+            <a:schemeClr val="bg1">
+              <a:lumMod val="65000"/>
+            </a:schemeClr>
+          </a:solidFill>
+          <a:ln>
+            <a:solidFill>
+              <a:schemeClr val="tx1"/>
+            </a:solidFill>
+          </a:ln>
+        </p:spPr>
+        <p:style>
+          <a:lnRef idx="2">
+            <a:schemeClr val="accent1">
+              <a:shade val="50000"/>
+            </a:schemeClr>
+          </a:lnRef>
+          <a:fillRef idx="1">
+            <a:schemeClr val="accent1"/>
+          </a:fillRef>
+          <a:effectRef idx="0">
+            <a:schemeClr val="accent1"/>
+          </a:effectRef>
+          <a:fontRef idx="minor">
+            <a:schemeClr val="lt1"/>
+          </a:fontRef>
+        </p:style>
+        <p:txBody>
+          <a:bodyPr rtlCol="0" anchor="ctr"/>
+          <a:lstStyle/>
+          <a:p>
+            <a:pPr algn="ctr"/>
+            <a:r>
+              <a:rPr lang="en-US" dirty="0" smtClean="0">
+                <a:solidFill>
+                  <a:schemeClr val="bg1"/>
+                </a:solidFill>
+              </a:rPr>
+              <a:t>Hardware</a:t>
+            </a:r>
+            <a:endParaRPr lang="en-US" dirty="0">
+              <a:solidFill>
+                <a:schemeClr val="bg1"/>
+              </a:solidFill>
+            </a:endParaRPr>
+          </a:p>
+        </p:txBody>
+      </p:sp>
+      <p:sp>
+        <p:nvSpPr>
+          <p:cNvPr id="3" name="Rectangle 2"/>
+          <p:cNvSpPr/>
+          <p:nvPr/>
+        </p:nvSpPr>
+        <p:spPr>
+          <a:xfrm>
+            <a:off x="1040973" y="2409913"/>
+            <a:ext cx="3418317" cy="2461188"/>
+          </a:xfrm>
+          <a:prstGeom prst="rect">
+            <a:avLst/>
+          </a:prstGeom>
+          <a:solidFill>
+            <a:schemeClr val="accent5">
+              <a:lumMod val="50000"/>
+            </a:schemeClr>
+          </a:solidFill>
+          <a:ln>
+            <a:solidFill>
+              <a:schemeClr val="tx1"/>
+            </a:solidFill>
+          </a:ln>
+        </p:spPr>
+        <p:style>
+          <a:lnRef idx="2">
+            <a:schemeClr val="accent1">
+              <a:shade val="50000"/>
+            </a:schemeClr>
+          </a:lnRef>
+          <a:fillRef idx="1">
+            <a:schemeClr val="accent1"/>
+          </a:fillRef>
+          <a:effectRef idx="0">
+            <a:schemeClr val="accent1"/>
+          </a:effectRef>
+          <a:fontRef idx="minor">
+            <a:schemeClr val="lt1"/>
+          </a:fontRef>
+        </p:style>
+        <p:txBody>
+          <a:bodyPr rtlCol="0" anchor="ctr"/>
+          <a:lstStyle/>
+          <a:p>
+            <a:pPr algn="ctr"/>
+            <a:r>
+              <a:rPr lang="en-US" dirty="0" smtClean="0">
+                <a:solidFill>
+                  <a:schemeClr val="bg1"/>
+                </a:solidFill>
+              </a:rPr>
+              <a:t>Windows OS</a:t>
+            </a:r>
+            <a:endParaRPr lang="en-US" dirty="0">
+              <a:solidFill>
+                <a:schemeClr val="bg1"/>
+              </a:solidFill>
+            </a:endParaRPr>
+          </a:p>
+        </p:txBody>
+      </p:sp>
+      <p:sp>
+        <p:nvSpPr>
+          <p:cNvPr id="7" name="Rectangle 6"/>
+          <p:cNvSpPr/>
+          <p:nvPr/>
+        </p:nvSpPr>
+        <p:spPr>
+          <a:xfrm>
+            <a:off x="5958413" y="4930923"/>
+            <a:ext cx="3418317" cy="700756"/>
+          </a:xfrm>
+          <a:prstGeom prst="rect">
+            <a:avLst/>
+          </a:prstGeom>
+          <a:solidFill>
+            <a:schemeClr val="bg1">
+              <a:lumMod val="65000"/>
+            </a:schemeClr>
+          </a:solidFill>
+          <a:ln>
+            <a:solidFill>
+              <a:schemeClr val="tx1"/>
+            </a:solidFill>
+          </a:ln>
+        </p:spPr>
+        <p:style>
+          <a:lnRef idx="2">
+            <a:schemeClr val="accent1">
+              <a:shade val="50000"/>
+            </a:schemeClr>
+          </a:lnRef>
+          <a:fillRef idx="1">
+            <a:schemeClr val="accent1"/>
+          </a:fillRef>
+          <a:effectRef idx="0">
+            <a:schemeClr val="accent1"/>
+          </a:effectRef>
+          <a:fontRef idx="minor">
+            <a:schemeClr val="lt1"/>
+          </a:fontRef>
+        </p:style>
+        <p:txBody>
+          <a:bodyPr rtlCol="0" anchor="ctr"/>
+          <a:lstStyle/>
+          <a:p>
+            <a:pPr algn="ctr"/>
+            <a:r>
+              <a:rPr lang="en-US" dirty="0" smtClean="0">
+                <a:solidFill>
+                  <a:schemeClr val="bg1"/>
+                </a:solidFill>
+              </a:rPr>
+              <a:t>Hardware</a:t>
+            </a:r>
+            <a:endParaRPr lang="en-US" dirty="0">
+              <a:solidFill>
+                <a:schemeClr val="bg1"/>
+              </a:solidFill>
+            </a:endParaRPr>
+          </a:p>
+        </p:txBody>
+      </p:sp>
+      <p:sp>
+        <p:nvSpPr>
+          <p:cNvPr id="8" name="Rectangle 7"/>
+          <p:cNvSpPr/>
+          <p:nvPr/>
+        </p:nvSpPr>
+        <p:spPr>
+          <a:xfrm>
+            <a:off x="5958413" y="2409913"/>
+            <a:ext cx="3418317" cy="2461188"/>
+          </a:xfrm>
+          <a:prstGeom prst="rect">
+            <a:avLst/>
+          </a:prstGeom>
+          <a:solidFill>
+            <a:schemeClr val="accent5">
+              <a:lumMod val="50000"/>
+            </a:schemeClr>
+          </a:solidFill>
+          <a:ln>
+            <a:solidFill>
+              <a:schemeClr val="tx1"/>
+            </a:solidFill>
+          </a:ln>
+        </p:spPr>
+        <p:style>
+          <a:lnRef idx="2">
+            <a:schemeClr val="accent1">
+              <a:shade val="50000"/>
+            </a:schemeClr>
+          </a:lnRef>
+          <a:fillRef idx="1">
+            <a:schemeClr val="accent1"/>
+          </a:fillRef>
+          <a:effectRef idx="0">
+            <a:schemeClr val="accent1"/>
+          </a:effectRef>
+          <a:fontRef idx="minor">
+            <a:schemeClr val="lt1"/>
+          </a:fontRef>
+        </p:style>
+        <p:txBody>
+          <a:bodyPr rtlCol="0" anchor="ctr"/>
+          <a:lstStyle/>
+          <a:p>
+            <a:pPr algn="ctr"/>
+            <a:r>
+              <a:rPr lang="en-US" dirty="0" smtClean="0">
+                <a:solidFill>
+                  <a:schemeClr val="bg1"/>
+                </a:solidFill>
+              </a:rPr>
+              <a:t>Windows OS</a:t>
+            </a:r>
+            <a:endParaRPr lang="en-US" dirty="0">
+              <a:solidFill>
+                <a:schemeClr val="bg1"/>
+              </a:solidFill>
+            </a:endParaRPr>
+          </a:p>
+        </p:txBody>
+      </p:sp>
+      <p:sp>
+        <p:nvSpPr>
+          <p:cNvPr id="9" name="Rectangle 8"/>
+          <p:cNvSpPr/>
+          <p:nvPr/>
+        </p:nvSpPr>
+        <p:spPr>
+          <a:xfrm>
+            <a:off x="5958412" y="197835"/>
+            <a:ext cx="3418317" cy="2152256"/>
+          </a:xfrm>
+          <a:prstGeom prst="rect">
+            <a:avLst/>
+          </a:prstGeom>
+          <a:solidFill>
+            <a:schemeClr val="accent2"/>
+          </a:solidFill>
+          <a:ln>
+            <a:solidFill>
+              <a:schemeClr val="tx1"/>
+            </a:solidFill>
+          </a:ln>
+        </p:spPr>
+        <p:style>
+          <a:lnRef idx="2">
+            <a:schemeClr val="accent1">
+              <a:shade val="50000"/>
+            </a:schemeClr>
+          </a:lnRef>
+          <a:fillRef idx="1">
+            <a:schemeClr val="accent1"/>
+          </a:fillRef>
+          <a:effectRef idx="0">
+            <a:schemeClr val="accent1"/>
+          </a:effectRef>
+          <a:fontRef idx="minor">
+            <a:schemeClr val="lt1"/>
+          </a:fontRef>
+        </p:style>
+        <p:txBody>
+          <a:bodyPr rtlCol="0" anchor="ctr"/>
+          <a:lstStyle/>
+          <a:p>
+            <a:pPr algn="ctr"/>
+            <a:endParaRPr lang="en-US" dirty="0" smtClean="0">
+              <a:solidFill>
+                <a:schemeClr val="bg1"/>
+              </a:solidFill>
+            </a:endParaRPr>
+          </a:p>
+          <a:p>
+            <a:pPr algn="ctr"/>
+            <a:endParaRPr lang="en-US" dirty="0">
+              <a:solidFill>
+                <a:schemeClr val="bg1"/>
+              </a:solidFill>
+            </a:endParaRPr>
+          </a:p>
+          <a:p>
+            <a:pPr algn="ctr"/>
+            <a:endParaRPr lang="en-US" dirty="0" smtClean="0">
+              <a:solidFill>
+                <a:schemeClr val="bg1"/>
+              </a:solidFill>
+            </a:endParaRPr>
+          </a:p>
+          <a:p>
+            <a:pPr algn="ctr"/>
+            <a:endParaRPr lang="en-US" dirty="0">
+              <a:solidFill>
+                <a:schemeClr val="bg1"/>
+              </a:solidFill>
+            </a:endParaRPr>
+          </a:p>
+          <a:p>
+            <a:pPr algn="ctr"/>
+            <a:endParaRPr lang="en-US" dirty="0" smtClean="0">
+              <a:solidFill>
+                <a:schemeClr val="bg1"/>
+              </a:solidFill>
+            </a:endParaRPr>
+          </a:p>
+          <a:p>
+            <a:pPr algn="ctr"/>
+            <a:endParaRPr lang="en-US" dirty="0">
+              <a:solidFill>
+                <a:schemeClr val="bg1"/>
+              </a:solidFill>
+            </a:endParaRPr>
+          </a:p>
+          <a:p>
+            <a:pPr algn="ctr"/>
+            <a:r>
+              <a:rPr lang="en-US" dirty="0" smtClean="0">
+                <a:solidFill>
+                  <a:schemeClr val="bg1"/>
+                </a:solidFill>
+              </a:rPr>
+              <a:t>Enclave</a:t>
+            </a:r>
+            <a:endParaRPr lang="en-US" dirty="0">
+              <a:solidFill>
+                <a:schemeClr val="bg1"/>
+              </a:solidFill>
+            </a:endParaRPr>
+          </a:p>
+        </p:txBody>
+      </p:sp>
+      <p:sp>
+        <p:nvSpPr>
+          <p:cNvPr id="10" name="Rectangle 9"/>
+          <p:cNvSpPr/>
+          <p:nvPr/>
+        </p:nvSpPr>
+        <p:spPr>
+          <a:xfrm>
+            <a:off x="1040972" y="1656080"/>
+            <a:ext cx="3418317" cy="694011"/>
+          </a:xfrm>
+          <a:prstGeom prst="rect">
+            <a:avLst/>
+          </a:prstGeom>
+          <a:solidFill>
+            <a:schemeClr val="accent5">
+              <a:lumMod val="60000"/>
+              <a:lumOff val="40000"/>
+            </a:schemeClr>
+          </a:solidFill>
+          <a:ln>
+            <a:solidFill>
+              <a:schemeClr val="tx1"/>
+            </a:solidFill>
+          </a:ln>
+        </p:spPr>
+        <p:style>
+          <a:lnRef idx="2">
+            <a:schemeClr val="accent1">
+              <a:shade val="50000"/>
+            </a:schemeClr>
+          </a:lnRef>
+          <a:fillRef idx="1">
+            <a:schemeClr val="accent1"/>
+          </a:fillRef>
+          <a:effectRef idx="0">
+            <a:schemeClr val="accent1"/>
+          </a:effectRef>
+          <a:fontRef idx="minor">
+            <a:schemeClr val="lt1"/>
+          </a:fontRef>
+        </p:style>
+        <p:txBody>
+          <a:bodyPr rtlCol="0" anchor="ctr"/>
+          <a:lstStyle/>
+          <a:p>
+            <a:pPr algn="ctr"/>
+            <a:r>
+              <a:rPr lang="en-US" dirty="0" smtClean="0"/>
+              <a:t>Application</a:t>
+            </a:r>
+            <a:endParaRPr lang="en-US" dirty="0"/>
+          </a:p>
+        </p:txBody>
+      </p:sp>
+      <p:sp>
+        <p:nvSpPr>
+          <p:cNvPr id="11" name="Rectangle 10"/>
+          <p:cNvSpPr/>
+          <p:nvPr/>
+        </p:nvSpPr>
+        <p:spPr>
+          <a:xfrm>
+            <a:off x="6295970" y="406449"/>
+            <a:ext cx="2743200" cy="827414"/>
+          </a:xfrm>
+          <a:prstGeom prst="rect">
+            <a:avLst/>
+          </a:prstGeom>
+          <a:solidFill>
+            <a:schemeClr val="accent5">
+              <a:lumMod val="60000"/>
+              <a:lumOff val="40000"/>
+            </a:schemeClr>
+          </a:solidFill>
+          <a:ln>
+            <a:solidFill>
+              <a:schemeClr val="tx1"/>
+            </a:solidFill>
+          </a:ln>
+        </p:spPr>
+        <p:style>
+          <a:lnRef idx="2">
+            <a:schemeClr val="accent1">
+              <a:shade val="50000"/>
+            </a:schemeClr>
+          </a:lnRef>
+          <a:fillRef idx="1">
+            <a:schemeClr val="accent1"/>
+          </a:fillRef>
+          <a:effectRef idx="0">
+            <a:schemeClr val="accent1"/>
+          </a:effectRef>
+          <a:fontRef idx="minor">
+            <a:schemeClr val="lt1"/>
+          </a:fontRef>
+        </p:style>
+        <p:txBody>
+          <a:bodyPr rtlCol="0" anchor="ctr"/>
+          <a:lstStyle/>
+          <a:p>
+            <a:pPr algn="ctr"/>
+            <a:r>
+              <a:rPr lang="en-US" dirty="0" smtClean="0"/>
+              <a:t>Application</a:t>
+            </a:r>
+            <a:endParaRPr lang="en-US" dirty="0"/>
+          </a:p>
+        </p:txBody>
+      </p:sp>
+      <p:sp>
+        <p:nvSpPr>
+          <p:cNvPr id="12" name="Rectangle 11"/>
+          <p:cNvSpPr/>
+          <p:nvPr/>
+        </p:nvSpPr>
+        <p:spPr>
+          <a:xfrm>
+            <a:off x="6295970" y="1100460"/>
+            <a:ext cx="2743200" cy="827414"/>
+          </a:xfrm>
+          <a:prstGeom prst="rect">
+            <a:avLst/>
+          </a:prstGeom>
+          <a:solidFill>
+            <a:schemeClr val="accent6">
+              <a:lumMod val="60000"/>
+              <a:lumOff val="40000"/>
+            </a:schemeClr>
+          </a:solidFill>
+          <a:ln>
+            <a:solidFill>
+              <a:schemeClr val="tx1"/>
+            </a:solidFill>
+          </a:ln>
+        </p:spPr>
+        <p:style>
+          <a:lnRef idx="2">
+            <a:schemeClr val="accent1">
+              <a:shade val="50000"/>
+            </a:schemeClr>
+          </a:lnRef>
+          <a:fillRef idx="1">
+            <a:schemeClr val="accent1"/>
+          </a:fillRef>
+          <a:effectRef idx="0">
+            <a:schemeClr val="accent1"/>
+          </a:effectRef>
+          <a:fontRef idx="minor">
+            <a:schemeClr val="lt1"/>
+          </a:fontRef>
+        </p:style>
+        <p:txBody>
+          <a:bodyPr rtlCol="0" anchor="ctr"/>
+          <a:lstStyle/>
+          <a:p>
+            <a:pPr algn="ctr"/>
+            <a:r>
+              <a:rPr lang="en-US" dirty="0" err="1" smtClean="0"/>
+              <a:t>LibOS</a:t>
+            </a:r>
+            <a:endParaRPr lang="en-US" dirty="0"/>
+          </a:p>
+        </p:txBody>
+      </p:sp>
+      <p:sp>
+        <p:nvSpPr>
+          <p:cNvPr id="13" name="TextBox 12"/>
+          <p:cNvSpPr txBox="1"/>
+          <p:nvPr/>
+        </p:nvSpPr>
+        <p:spPr>
+          <a:xfrm>
+            <a:off x="2235886" y="5691501"/>
+            <a:ext cx="1028487" cy="369332"/>
+          </a:xfrm>
+          <a:prstGeom prst="rect">
+            <a:avLst/>
+          </a:prstGeom>
+          <a:noFill/>
+        </p:spPr>
+        <p:txBody>
+          <a:bodyPr wrap="none" rtlCol="0">
+            <a:spAutoFit/>
+          </a:bodyPr>
+          <a:lstStyle/>
+          <a:p>
+            <a:r>
+              <a:rPr lang="en-US" smtClean="0"/>
+              <a:t>Standard</a:t>
+            </a:r>
+            <a:endParaRPr lang="en-US" dirty="0"/>
+          </a:p>
+        </p:txBody>
+      </p:sp>
+      <p:sp>
+        <p:nvSpPr>
+          <p:cNvPr id="14" name="TextBox 13"/>
+          <p:cNvSpPr txBox="1"/>
+          <p:nvPr/>
+        </p:nvSpPr>
+        <p:spPr>
+          <a:xfrm>
+            <a:off x="7279964" y="5691501"/>
+            <a:ext cx="775212" cy="369332"/>
+          </a:xfrm>
+          <a:prstGeom prst="rect">
+            <a:avLst/>
+          </a:prstGeom>
+          <a:noFill/>
+        </p:spPr>
+        <p:txBody>
+          <a:bodyPr wrap="none" rtlCol="0">
+            <a:spAutoFit/>
+          </a:bodyPr>
+          <a:lstStyle/>
+          <a:p>
+            <a:r>
+              <a:rPr lang="en-US"/>
+              <a:t>H</a:t>
+            </a:r>
+            <a:r>
+              <a:rPr lang="en-US" smtClean="0"/>
+              <a:t>aven</a:t>
+            </a:r>
+            <a:endParaRPr lang="en-US" dirty="0"/>
+          </a:p>
+        </p:txBody>
+      </p:sp>
+    </p:spTree>
+    <p:extLst>
+      <p:ext uri="{BB962C8B-B14F-4D97-AF65-F5344CB8AC3E}">
+        <p14:creationId xmlns:p14="http://schemas.microsoft.com/office/powerpoint/2010/main" val="1279004355"/>
+      </p:ext>
+    </p:extLst>
+  </p:cSld>
+  <p:clrMapOvr>
+    <a:masterClrMapping/>
+  </p:clrMapOvr>
+</p:sld>
+</file>
+
+<file path=ppt/slides/slide7.xml><?xml version="1.0" encoding="utf-8"?>
+<p:sld xmlns:a="http://schemas.openxmlformats.org/drawingml/2006/main" xmlns:r="http://schemas.openxmlformats.org/officeDocument/2006/relationships" xmlns:p="http://schemas.openxmlformats.org/presentationml/2006/main">
+  <p:cSld>
+    <p:spTree>
+      <p:nvGrpSpPr>
+        <p:cNvPr id="1" name=""/>
+        <p:cNvGrpSpPr/>
+        <p:nvPr/>
+      </p:nvGrpSpPr>
+      <p:grpSpPr>
+        <a:xfrm>
+          <a:off x="0" y="0"/>
+          <a:ext cx="0" cy="0"/>
+          <a:chOff x="0" y="0"/>
+          <a:chExt cx="0" cy="0"/>
+        </a:xfrm>
+      </p:grpSpPr>
+      <p:sp>
+        <p:nvSpPr>
+          <p:cNvPr id="2" name="Rectangle 1"/>
+          <p:cNvSpPr/>
+          <p:nvPr/>
+        </p:nvSpPr>
+        <p:spPr>
+          <a:xfrm>
+            <a:off x="853440" y="1148080"/>
+            <a:ext cx="3627120" cy="3017520"/>
+          </a:xfrm>
+          <a:prstGeom prst="rect">
+            <a:avLst/>
+          </a:prstGeom>
+          <a:solidFill>
+            <a:schemeClr val="accent2"/>
+          </a:solidFill>
+          <a:ln>
+            <a:solidFill>
+              <a:schemeClr val="tx1"/>
+            </a:solidFill>
+          </a:ln>
+        </p:spPr>
+        <p:style>
+          <a:lnRef idx="2">
+            <a:schemeClr val="accent1">
+              <a:shade val="50000"/>
+            </a:schemeClr>
+          </a:lnRef>
+          <a:fillRef idx="1">
+            <a:schemeClr val="accent1"/>
+          </a:fillRef>
+          <a:effectRef idx="0">
+            <a:schemeClr val="accent1"/>
+          </a:effectRef>
+          <a:fontRef idx="minor">
+            <a:schemeClr val="lt1"/>
+          </a:fontRef>
+        </p:style>
+        <p:txBody>
+          <a:bodyPr rtlCol="0" anchor="ctr"/>
+          <a:lstStyle/>
+          <a:p>
+            <a:pPr algn="ctr"/>
+            <a:endParaRPr lang="en-US" dirty="0" smtClean="0">
+              <a:solidFill>
+                <a:schemeClr val="bg1"/>
+              </a:solidFill>
+            </a:endParaRPr>
+          </a:p>
+          <a:p>
+            <a:pPr algn="ctr"/>
+            <a:endParaRPr lang="en-US" dirty="0">
+              <a:solidFill>
+                <a:schemeClr val="bg1"/>
+              </a:solidFill>
+            </a:endParaRPr>
+          </a:p>
+          <a:p>
+            <a:pPr algn="ctr"/>
+            <a:endParaRPr lang="en-US" dirty="0" smtClean="0">
+              <a:solidFill>
+                <a:schemeClr val="bg1"/>
+              </a:solidFill>
+            </a:endParaRPr>
+          </a:p>
+          <a:p>
+            <a:pPr algn="ctr"/>
+            <a:endParaRPr lang="en-US" dirty="0">
+              <a:solidFill>
+                <a:schemeClr val="bg1"/>
+              </a:solidFill>
+            </a:endParaRPr>
+          </a:p>
+          <a:p>
+            <a:pPr algn="ctr"/>
+            <a:endParaRPr lang="en-US" dirty="0" smtClean="0">
+              <a:solidFill>
+                <a:schemeClr val="bg1"/>
+              </a:solidFill>
+            </a:endParaRPr>
+          </a:p>
+          <a:p>
+            <a:pPr algn="ctr"/>
+            <a:endParaRPr lang="en-US" dirty="0">
+              <a:solidFill>
+                <a:schemeClr val="bg1"/>
+              </a:solidFill>
+            </a:endParaRPr>
+          </a:p>
+          <a:p>
+            <a:pPr algn="ctr"/>
+            <a:endParaRPr lang="en-US" dirty="0" smtClean="0">
+              <a:solidFill>
+                <a:schemeClr val="bg1"/>
+              </a:solidFill>
+            </a:endParaRPr>
+          </a:p>
+          <a:p>
+            <a:pPr algn="ctr"/>
+            <a:endParaRPr lang="en-US" dirty="0">
+              <a:solidFill>
+                <a:schemeClr val="bg1"/>
+              </a:solidFill>
+            </a:endParaRPr>
+          </a:p>
+          <a:p>
+            <a:pPr algn="ctr"/>
+            <a:r>
+              <a:rPr lang="en-US" dirty="0" smtClean="0">
+                <a:solidFill>
+                  <a:schemeClr val="bg1"/>
+                </a:solidFill>
+              </a:rPr>
+              <a:t>Trusted</a:t>
+            </a:r>
+            <a:endParaRPr lang="en-US" dirty="0">
+              <a:solidFill>
+                <a:schemeClr val="bg1"/>
+              </a:solidFill>
+            </a:endParaRPr>
+          </a:p>
+        </p:txBody>
+      </p:sp>
+      <p:sp>
+        <p:nvSpPr>
+          <p:cNvPr id="3" name="Rectangle 2"/>
+          <p:cNvSpPr/>
+          <p:nvPr/>
+        </p:nvSpPr>
+        <p:spPr>
+          <a:xfrm>
+            <a:off x="1559560" y="1696720"/>
+            <a:ext cx="2214880" cy="1818640"/>
+          </a:xfrm>
+          <a:prstGeom prst="rect">
+            <a:avLst/>
+          </a:prstGeom>
+          <a:solidFill>
+            <a:schemeClr val="accent6">
+              <a:lumMod val="60000"/>
+              <a:lumOff val="40000"/>
+            </a:schemeClr>
+          </a:solidFill>
+          <a:ln>
+            <a:solidFill>
+              <a:schemeClr val="tx1"/>
+            </a:solidFill>
+          </a:ln>
+        </p:spPr>
+        <p:style>
+          <a:lnRef idx="2">
+            <a:schemeClr val="accent1">
+              <a:shade val="50000"/>
+            </a:schemeClr>
+          </a:lnRef>
+          <a:fillRef idx="1">
+            <a:schemeClr val="accent1"/>
+          </a:fillRef>
+          <a:effectRef idx="0">
+            <a:schemeClr val="accent1"/>
+          </a:effectRef>
+          <a:fontRef idx="minor">
+            <a:schemeClr val="lt1"/>
+          </a:fontRef>
+        </p:style>
+        <p:txBody>
+          <a:bodyPr rtlCol="0" anchor="ctr"/>
+          <a:lstStyle/>
+          <a:p>
+            <a:pPr algn="ctr"/>
+            <a:r>
+              <a:rPr lang="en-US" dirty="0" smtClean="0"/>
+              <a:t>CPU</a:t>
+            </a:r>
+            <a:endParaRPr lang="en-US" dirty="0"/>
+          </a:p>
+        </p:txBody>
+      </p:sp>
+      <p:sp>
+        <p:nvSpPr>
+          <p:cNvPr id="4" name="Rectangle 3"/>
+          <p:cNvSpPr/>
+          <p:nvPr/>
+        </p:nvSpPr>
+        <p:spPr>
+          <a:xfrm>
+            <a:off x="7122160" y="619760"/>
+            <a:ext cx="2814320" cy="6075680"/>
+          </a:xfrm>
+          <a:prstGeom prst="rect">
+            <a:avLst/>
+          </a:prstGeom>
+          <a:solidFill>
+            <a:schemeClr val="tx2"/>
+          </a:solidFill>
+        </p:spPr>
+        <p:style>
+          <a:lnRef idx="2">
+            <a:schemeClr val="accent1">
+              <a:shade val="50000"/>
+            </a:schemeClr>
+          </a:lnRef>
+          <a:fillRef idx="1">
+            <a:schemeClr val="accent1"/>
+          </a:fillRef>
+          <a:effectRef idx="0">
+            <a:schemeClr val="accent1"/>
+          </a:effectRef>
+          <a:fontRef idx="minor">
+            <a:schemeClr val="lt1"/>
+          </a:fontRef>
+        </p:style>
+        <p:txBody>
+          <a:bodyPr rtlCol="0" anchor="ctr"/>
+          <a:lstStyle/>
+          <a:p>
+            <a:pPr algn="ctr"/>
+            <a:endParaRPr lang="en-US" dirty="0" smtClean="0"/>
+          </a:p>
+          <a:p>
+            <a:pPr algn="ctr"/>
+            <a:endParaRPr lang="en-US" dirty="0"/>
+          </a:p>
+          <a:p>
+            <a:pPr algn="ctr"/>
+            <a:endParaRPr lang="en-US" dirty="0" smtClean="0"/>
+          </a:p>
+          <a:p>
+            <a:pPr algn="ctr"/>
+            <a:endParaRPr lang="en-US" dirty="0"/>
+          </a:p>
+          <a:p>
+            <a:pPr algn="ctr"/>
+            <a:endParaRPr lang="en-US" dirty="0" smtClean="0"/>
+          </a:p>
+          <a:p>
+            <a:pPr algn="ctr"/>
+            <a:endParaRPr lang="en-US" dirty="0"/>
+          </a:p>
+          <a:p>
+            <a:pPr algn="ctr"/>
+            <a:endParaRPr lang="en-US" dirty="0" smtClean="0"/>
+          </a:p>
+          <a:p>
+            <a:pPr algn="ctr"/>
+            <a:endParaRPr lang="en-US" dirty="0"/>
+          </a:p>
+          <a:p>
+            <a:pPr algn="ctr"/>
+            <a:endParaRPr lang="en-US" dirty="0" smtClean="0"/>
+          </a:p>
+          <a:p>
+            <a:pPr algn="ctr"/>
+            <a:endParaRPr lang="en-US" dirty="0"/>
+          </a:p>
+          <a:p>
+            <a:pPr algn="ctr"/>
+            <a:endParaRPr lang="en-US" dirty="0" smtClean="0"/>
+          </a:p>
+          <a:p>
+            <a:pPr algn="ctr"/>
+            <a:endParaRPr lang="en-US" dirty="0"/>
+          </a:p>
+          <a:p>
+            <a:pPr algn="ctr"/>
+            <a:endParaRPr lang="en-US" dirty="0" smtClean="0"/>
+          </a:p>
+          <a:p>
+            <a:pPr algn="ctr"/>
+            <a:endParaRPr lang="en-US" dirty="0"/>
+          </a:p>
+          <a:p>
+            <a:pPr algn="ctr"/>
+            <a:endParaRPr lang="en-US" dirty="0" smtClean="0"/>
+          </a:p>
+          <a:p>
+            <a:pPr algn="ctr"/>
+            <a:endParaRPr lang="en-US" dirty="0"/>
+          </a:p>
+          <a:p>
+            <a:pPr algn="ctr"/>
+            <a:endParaRPr lang="en-US" dirty="0" smtClean="0"/>
+          </a:p>
+          <a:p>
+            <a:pPr algn="ctr"/>
+            <a:endParaRPr lang="en-US" dirty="0"/>
+          </a:p>
+          <a:p>
+            <a:pPr algn="ctr"/>
+            <a:endParaRPr lang="en-US" dirty="0" smtClean="0"/>
+          </a:p>
+          <a:p>
+            <a:pPr algn="ctr"/>
+            <a:endParaRPr lang="en-US" dirty="0"/>
+          </a:p>
+          <a:p>
+            <a:pPr algn="ctr"/>
+            <a:r>
+              <a:rPr lang="en-US" dirty="0" smtClean="0"/>
+              <a:t>Un-trusted DRAM</a:t>
+            </a:r>
+            <a:endParaRPr lang="en-US" dirty="0"/>
+          </a:p>
+        </p:txBody>
+      </p:sp>
+      <p:sp>
+        <p:nvSpPr>
+          <p:cNvPr id="6" name="Rectangle 5"/>
+          <p:cNvSpPr/>
+          <p:nvPr/>
+        </p:nvSpPr>
+        <p:spPr>
+          <a:xfrm>
+            <a:off x="7122160" y="619760"/>
+            <a:ext cx="2814320" cy="2062480"/>
+          </a:xfrm>
+          <a:prstGeom prst="rect">
+            <a:avLst/>
+          </a:prstGeom>
+          <a:solidFill>
+            <a:schemeClr val="accent1"/>
+          </a:solidFill>
+          <a:ln>
+            <a:solidFill>
+              <a:schemeClr val="tx1"/>
+            </a:solidFill>
+          </a:ln>
+        </p:spPr>
+        <p:style>
+          <a:lnRef idx="2">
+            <a:schemeClr val="accent1">
+              <a:shade val="50000"/>
+            </a:schemeClr>
+          </a:lnRef>
+          <a:fillRef idx="1">
+            <a:schemeClr val="accent1"/>
+          </a:fillRef>
+          <a:effectRef idx="0">
+            <a:schemeClr val="accent1"/>
+          </a:effectRef>
+          <a:fontRef idx="minor">
+            <a:schemeClr val="lt1"/>
+          </a:fontRef>
+        </p:style>
+        <p:txBody>
+          <a:bodyPr rtlCol="0" anchor="ctr"/>
+          <a:lstStyle/>
+          <a:p>
+            <a:pPr algn="ctr"/>
+            <a:r>
+              <a:rPr lang="en-US" dirty="0" smtClean="0"/>
+              <a:t>Protected Region</a:t>
+            </a:r>
+            <a:endParaRPr lang="en-US" dirty="0"/>
+          </a:p>
+        </p:txBody>
+      </p:sp>
+      <p:cxnSp>
+        <p:nvCxnSpPr>
+          <p:cNvPr id="11" name="Straight Arrow Connector 10"/>
+          <p:cNvCxnSpPr/>
+          <p:nvPr/>
+        </p:nvCxnSpPr>
+        <p:spPr>
+          <a:xfrm flipH="1">
+            <a:off x="3756660" y="2133600"/>
+            <a:ext cx="3916680" cy="0"/>
+          </a:xfrm>
+          <a:prstGeom prst="straightConnector1">
+            <a:avLst/>
+          </a:prstGeom>
+          <a:ln w="38100">
+            <a:solidFill>
+              <a:schemeClr val="tx1"/>
+            </a:solidFill>
+            <a:headEnd type="triangle" w="med" len="med"/>
+            <a:tailEnd type="triangle" w="med" len="med"/>
+          </a:ln>
+        </p:spPr>
+        <p:style>
+          <a:lnRef idx="1">
+            <a:schemeClr val="accent1"/>
+          </a:lnRef>
+          <a:fillRef idx="0">
+            <a:schemeClr val="accent1"/>
+          </a:fillRef>
+          <a:effectRef idx="0">
+            <a:schemeClr val="accent1"/>
+          </a:effectRef>
+          <a:fontRef idx="minor">
+            <a:schemeClr val="tx1"/>
+          </a:fontRef>
+        </p:style>
+      </p:cxnSp>
+      <p:cxnSp>
+        <p:nvCxnSpPr>
+          <p:cNvPr id="12" name="Straight Arrow Connector 11"/>
+          <p:cNvCxnSpPr/>
+          <p:nvPr/>
+        </p:nvCxnSpPr>
+        <p:spPr>
+          <a:xfrm flipH="1">
+            <a:off x="3756660" y="3312160"/>
+            <a:ext cx="3916680" cy="0"/>
+          </a:xfrm>
+          <a:prstGeom prst="straightConnector1">
+            <a:avLst/>
+          </a:prstGeom>
+          <a:ln w="38100">
+            <a:solidFill>
+              <a:schemeClr val="tx1"/>
+            </a:solidFill>
+            <a:headEnd type="triangle" w="med" len="med"/>
+            <a:tailEnd type="triangle" w="med" len="med"/>
+          </a:ln>
+        </p:spPr>
+        <p:style>
+          <a:lnRef idx="1">
+            <a:schemeClr val="accent1"/>
+          </a:lnRef>
+          <a:fillRef idx="0">
+            <a:schemeClr val="accent1"/>
+          </a:fillRef>
+          <a:effectRef idx="0">
+            <a:schemeClr val="accent1"/>
+          </a:effectRef>
+          <a:fontRef idx="minor">
+            <a:schemeClr val="tx1"/>
+          </a:fontRef>
+        </p:style>
+      </p:cxnSp>
+      <p:sp>
+        <p:nvSpPr>
+          <p:cNvPr id="14" name="TextBox 13"/>
+          <p:cNvSpPr txBox="1"/>
+          <p:nvPr/>
+        </p:nvSpPr>
+        <p:spPr>
+          <a:xfrm>
+            <a:off x="4740951" y="1464995"/>
+            <a:ext cx="1948097" cy="646331"/>
+          </a:xfrm>
+          <a:prstGeom prst="rect">
+            <a:avLst/>
+          </a:prstGeom>
+          <a:noFill/>
+        </p:spPr>
+        <p:txBody>
+          <a:bodyPr wrap="none" rtlCol="0">
+            <a:spAutoFit/>
+          </a:bodyPr>
+          <a:lstStyle/>
+          <a:p>
+            <a:pPr algn="ctr"/>
+            <a:r>
+              <a:rPr lang="en-US" dirty="0" smtClean="0"/>
+              <a:t>Encrypted</a:t>
+            </a:r>
+          </a:p>
+          <a:p>
+            <a:pPr algn="ctr"/>
+            <a:r>
+              <a:rPr lang="en-US" dirty="0" smtClean="0"/>
+              <a:t>Integrity protected</a:t>
+            </a:r>
+            <a:endParaRPr lang="en-US" dirty="0"/>
+          </a:p>
+        </p:txBody>
+      </p:sp>
+      <p:sp>
+        <p:nvSpPr>
+          <p:cNvPr id="15" name="TextBox 14"/>
+          <p:cNvSpPr txBox="1"/>
+          <p:nvPr/>
+        </p:nvSpPr>
+        <p:spPr>
+          <a:xfrm>
+            <a:off x="5267151" y="2643554"/>
+            <a:ext cx="895694" cy="646331"/>
+          </a:xfrm>
+          <a:prstGeom prst="rect">
+            <a:avLst/>
+          </a:prstGeom>
+          <a:noFill/>
+        </p:spPr>
+        <p:txBody>
+          <a:bodyPr wrap="none" rtlCol="0">
+            <a:spAutoFit/>
+          </a:bodyPr>
+          <a:lstStyle/>
+          <a:p>
+            <a:pPr algn="ctr"/>
+            <a:r>
+              <a:rPr lang="en-US" dirty="0" smtClean="0"/>
+              <a:t>Regular</a:t>
+            </a:r>
+          </a:p>
+          <a:p>
+            <a:pPr algn="ctr"/>
+            <a:r>
+              <a:rPr lang="en-US" dirty="0" smtClean="0"/>
+              <a:t>Traffic</a:t>
+            </a:r>
+            <a:endParaRPr lang="en-US" dirty="0"/>
+          </a:p>
+        </p:txBody>
+      </p:sp>
+    </p:spTree>
+    <p:extLst>
+      <p:ext uri="{BB962C8B-B14F-4D97-AF65-F5344CB8AC3E}">
+        <p14:creationId xmlns:p14="http://schemas.microsoft.com/office/powerpoint/2010/main" val="1348599051"/>
+      </p:ext>
+    </p:extLst>
+  </p:cSld>
+  <p:clrMapOvr>
+    <a:masterClrMapping/>
+  </p:clrMapOvr>
+</p:sld>
+</file>
+
+<file path=ppt/slides/slide8.xml><?xml version="1.0" encoding="utf-8"?>
+<p:sld xmlns:a="http://schemas.openxmlformats.org/drawingml/2006/main" xmlns:r="http://schemas.openxmlformats.org/officeDocument/2006/relationships" xmlns:p="http://schemas.openxmlformats.org/presentationml/2006/main">
+  <p:cSld>
+    <p:spTree>
+      <p:nvGrpSpPr>
+        <p:cNvPr id="1" name=""/>
+        <p:cNvGrpSpPr/>
+        <p:nvPr/>
+      </p:nvGrpSpPr>
+      <p:grpSpPr>
+        <a:xfrm>
+          <a:off x="0" y="0"/>
+          <a:ext cx="0" cy="0"/>
+          <a:chOff x="0" y="0"/>
+          <a:chExt cx="0" cy="0"/>
+        </a:xfrm>
+      </p:grpSpPr>
+      <p:sp>
+        <p:nvSpPr>
+          <p:cNvPr id="2" name="Oval 1"/>
+          <p:cNvSpPr/>
+          <p:nvPr/>
+        </p:nvSpPr>
+        <p:spPr>
+          <a:xfrm>
+            <a:off x="4201160" y="426720"/>
+            <a:ext cx="1859280" cy="1524000"/>
+          </a:xfrm>
+          <a:prstGeom prst="ellipse">
+            <a:avLst/>
+          </a:prstGeom>
+          <a:solidFill>
+            <a:schemeClr val="bg1">
+              <a:lumMod val="85000"/>
+            </a:schemeClr>
+          </a:solidFill>
+          <a:ln>
+            <a:solidFill>
+              <a:schemeClr val="tx1"/>
+            </a:solidFill>
+          </a:ln>
+        </p:spPr>
+        <p:style>
+          <a:lnRef idx="2">
+            <a:schemeClr val="accent1">
+              <a:shade val="50000"/>
+            </a:schemeClr>
+          </a:lnRef>
+          <a:fillRef idx="1">
+            <a:schemeClr val="accent1"/>
+          </a:fillRef>
+          <a:effectRef idx="0">
+            <a:schemeClr val="accent1"/>
+          </a:effectRef>
+          <a:fontRef idx="minor">
+            <a:schemeClr val="lt1"/>
+          </a:fontRef>
+        </p:style>
+        <p:txBody>
+          <a:bodyPr rtlCol="0" anchor="ctr"/>
+          <a:lstStyle/>
+          <a:p>
+            <a:pPr algn="ctr"/>
+            <a:r>
+              <a:rPr lang="en-US" smtClean="0"/>
+              <a:t>Exokernel</a:t>
+            </a:r>
+            <a:endParaRPr lang="en-US" dirty="0"/>
+          </a:p>
+        </p:txBody>
+      </p:sp>
+      <p:sp>
+        <p:nvSpPr>
+          <p:cNvPr id="3" name="Oval 2"/>
+          <p:cNvSpPr/>
+          <p:nvPr/>
+        </p:nvSpPr>
+        <p:spPr>
+          <a:xfrm>
+            <a:off x="2341880" y="1950720"/>
+            <a:ext cx="1859280" cy="1524000"/>
+          </a:xfrm>
+          <a:prstGeom prst="ellipse">
+            <a:avLst/>
+          </a:prstGeom>
+          <a:solidFill>
+            <a:schemeClr val="accent2"/>
+          </a:solidFill>
+          <a:ln>
+            <a:solidFill>
+              <a:schemeClr val="tx1"/>
+            </a:solidFill>
+          </a:ln>
+        </p:spPr>
+        <p:style>
+          <a:lnRef idx="2">
+            <a:schemeClr val="accent1">
+              <a:shade val="50000"/>
+            </a:schemeClr>
+          </a:lnRef>
+          <a:fillRef idx="1">
+            <a:schemeClr val="accent1"/>
+          </a:fillRef>
+          <a:effectRef idx="0">
+            <a:schemeClr val="accent1"/>
+          </a:effectRef>
+          <a:fontRef idx="minor">
+            <a:schemeClr val="lt1"/>
+          </a:fontRef>
+        </p:style>
+        <p:txBody>
+          <a:bodyPr rtlCol="0" anchor="ctr"/>
+          <a:lstStyle/>
+          <a:p>
+            <a:pPr algn="ctr"/>
+            <a:r>
+              <a:rPr lang="en-US" dirty="0" err="1" smtClean="0"/>
+              <a:t>Unikernel</a:t>
+            </a:r>
+            <a:endParaRPr lang="en-US" dirty="0"/>
+          </a:p>
+        </p:txBody>
+      </p:sp>
+      <p:sp>
+        <p:nvSpPr>
+          <p:cNvPr id="4" name="Oval 3"/>
+          <p:cNvSpPr/>
+          <p:nvPr/>
+        </p:nvSpPr>
+        <p:spPr>
+          <a:xfrm>
+            <a:off x="6124445" y="1950720"/>
+            <a:ext cx="1859280" cy="1524000"/>
+          </a:xfrm>
+          <a:prstGeom prst="ellipse">
+            <a:avLst/>
+          </a:prstGeom>
+          <a:solidFill>
+            <a:schemeClr val="accent5">
+              <a:lumMod val="75000"/>
+            </a:schemeClr>
+          </a:solidFill>
+          <a:ln>
+            <a:solidFill>
+              <a:schemeClr val="tx1"/>
+            </a:solidFill>
+          </a:ln>
+        </p:spPr>
+        <p:style>
+          <a:lnRef idx="2">
+            <a:schemeClr val="accent1">
+              <a:shade val="50000"/>
+            </a:schemeClr>
+          </a:lnRef>
+          <a:fillRef idx="1">
+            <a:schemeClr val="accent1"/>
+          </a:fillRef>
+          <a:effectRef idx="0">
+            <a:schemeClr val="accent1"/>
+          </a:effectRef>
+          <a:fontRef idx="minor">
+            <a:schemeClr val="lt1"/>
+          </a:fontRef>
+        </p:style>
+        <p:txBody>
+          <a:bodyPr rtlCol="0" anchor="ctr"/>
+          <a:lstStyle/>
+          <a:p>
+            <a:pPr algn="ctr"/>
+            <a:r>
+              <a:rPr lang="en-US" dirty="0" smtClean="0"/>
+              <a:t>Haven</a:t>
+            </a:r>
+            <a:endParaRPr lang="en-US" dirty="0"/>
+          </a:p>
+        </p:txBody>
+      </p:sp>
+      <p:cxnSp>
+        <p:nvCxnSpPr>
+          <p:cNvPr id="6" name="Straight Connector 5"/>
+          <p:cNvCxnSpPr>
+            <a:stCxn id="3" idx="0"/>
+            <a:endCxn id="2" idx="3"/>
+          </p:cNvCxnSpPr>
+          <p:nvPr/>
+        </p:nvCxnSpPr>
+        <p:spPr>
+          <a:xfrm flipV="1">
+            <a:off x="3271520" y="1727535"/>
+            <a:ext cx="1201925" cy="223185"/>
+          </a:xfrm>
+          <a:prstGeom prst="line">
+            <a:avLst/>
+          </a:prstGeom>
+          <a:ln w="12700">
+            <a:solidFill>
+              <a:schemeClr val="tx1"/>
+            </a:solidFill>
+          </a:ln>
+        </p:spPr>
+        <p:style>
+          <a:lnRef idx="1">
+            <a:schemeClr val="accent1"/>
+          </a:lnRef>
+          <a:fillRef idx="0">
+            <a:schemeClr val="accent1"/>
+          </a:fillRef>
+          <a:effectRef idx="0">
+            <a:schemeClr val="accent1"/>
+          </a:effectRef>
+          <a:fontRef idx="minor">
+            <a:schemeClr val="tx1"/>
+          </a:fontRef>
+        </p:style>
+      </p:cxnSp>
+      <p:cxnSp>
+        <p:nvCxnSpPr>
+          <p:cNvPr id="9" name="Straight Connector 8"/>
+          <p:cNvCxnSpPr>
+            <a:stCxn id="2" idx="5"/>
+            <a:endCxn id="4" idx="0"/>
+          </p:cNvCxnSpPr>
+          <p:nvPr/>
+        </p:nvCxnSpPr>
+        <p:spPr>
+          <a:xfrm>
+            <a:off x="5788155" y="1727535"/>
+            <a:ext cx="1265930" cy="223185"/>
+          </a:xfrm>
+          <a:prstGeom prst="line">
+            <a:avLst/>
+          </a:prstGeom>
+          <a:ln w="12700">
+            <a:solidFill>
+              <a:schemeClr val="tx1"/>
+            </a:solidFill>
+          </a:ln>
+        </p:spPr>
+        <p:style>
+          <a:lnRef idx="1">
+            <a:schemeClr val="accent1"/>
+          </a:lnRef>
+          <a:fillRef idx="0">
+            <a:schemeClr val="accent1"/>
+          </a:fillRef>
+          <a:effectRef idx="0">
+            <a:schemeClr val="accent1"/>
+          </a:effectRef>
+          <a:fontRef idx="minor">
+            <a:schemeClr val="tx1"/>
+          </a:fontRef>
+        </p:style>
+      </p:cxnSp>
+    </p:spTree>
+    <p:extLst>
+      <p:ext uri="{BB962C8B-B14F-4D97-AF65-F5344CB8AC3E}">
+        <p14:creationId xmlns:p14="http://schemas.microsoft.com/office/powerpoint/2010/main" val="1843358328"/>
+      </p:ext>
+    </p:extLst>
+  </p:cSld>
+  <p:clrMapOvr>
+    <a:masterClrMapping/>
+  </p:clrMapOvr>
+</p:sld>
+</file>
+
+<file path=ppt/slides/slide9.xml><?xml version="1.0" encoding="utf-8"?>
+<p:sld xmlns:a="http://schemas.openxmlformats.org/drawingml/2006/main" xmlns:r="http://schemas.openxmlformats.org/officeDocument/2006/relationships" xmlns:p="http://schemas.openxmlformats.org/presentationml/2006/main">
+  <p:cSld>
+    <p:spTree>
+      <p:nvGrpSpPr>
+        <p:cNvPr id="1" name=""/>
+        <p:cNvGrpSpPr/>
+        <p:nvPr/>
+      </p:nvGrpSpPr>
+      <p:grpSpPr>
+        <a:xfrm>
+          <a:off x="0" y="0"/>
+          <a:ext cx="0" cy="0"/>
+          <a:chOff x="0" y="0"/>
+          <a:chExt cx="0" cy="0"/>
+        </a:xfrm>
+      </p:grpSpPr>
+      <p:sp>
+        <p:nvSpPr>
+          <p:cNvPr id="2" name="Oval 1"/>
+          <p:cNvSpPr/>
+          <p:nvPr/>
+        </p:nvSpPr>
+        <p:spPr>
+          <a:xfrm>
+            <a:off x="4201160" y="426720"/>
+            <a:ext cx="1859280" cy="1524000"/>
+          </a:xfrm>
+          <a:prstGeom prst="ellipse">
+            <a:avLst/>
+          </a:prstGeom>
+          <a:solidFill>
+            <a:schemeClr val="bg1">
+              <a:lumMod val="85000"/>
+            </a:schemeClr>
+          </a:solidFill>
+          <a:ln>
+            <a:solidFill>
+              <a:schemeClr val="tx1"/>
+            </a:solidFill>
+          </a:ln>
+        </p:spPr>
+        <p:style>
+          <a:lnRef idx="2">
+            <a:schemeClr val="accent1">
+              <a:shade val="50000"/>
+            </a:schemeClr>
+          </a:lnRef>
+          <a:fillRef idx="1">
+            <a:schemeClr val="accent1"/>
+          </a:fillRef>
+          <a:effectRef idx="0">
+            <a:schemeClr val="accent1"/>
+          </a:effectRef>
+          <a:fontRef idx="minor">
+            <a:schemeClr val="lt1"/>
+          </a:fontRef>
+        </p:style>
+        <p:txBody>
+          <a:bodyPr rtlCol="0" anchor="ctr"/>
+          <a:lstStyle/>
+          <a:p>
+            <a:pPr algn="ctr"/>
+            <a:r>
+              <a:rPr lang="en-US" smtClean="0"/>
+              <a:t>Exokernel</a:t>
+            </a:r>
+            <a:endParaRPr lang="en-US" dirty="0"/>
+          </a:p>
+        </p:txBody>
+      </p:sp>
+      <p:sp>
+        <p:nvSpPr>
+          <p:cNvPr id="3" name="Oval 2"/>
+          <p:cNvSpPr/>
+          <p:nvPr/>
+        </p:nvSpPr>
+        <p:spPr>
+          <a:xfrm>
+            <a:off x="1137920" y="1950720"/>
+            <a:ext cx="3063240" cy="2296160"/>
+          </a:xfrm>
+          <a:prstGeom prst="ellipse">
+            <a:avLst/>
+          </a:prstGeom>
+          <a:solidFill>
+            <a:schemeClr val="accent2"/>
+          </a:solidFill>
+          <a:ln w="38100">
+            <a:solidFill>
+              <a:schemeClr val="tx1"/>
+            </a:solidFill>
+          </a:ln>
+        </p:spPr>
+        <p:style>
+          <a:lnRef idx="2">
+            <a:schemeClr val="accent1">
+              <a:shade val="50000"/>
+            </a:schemeClr>
+          </a:lnRef>
+          <a:fillRef idx="1">
+            <a:schemeClr val="accent1"/>
+          </a:fillRef>
+          <a:effectRef idx="0">
+            <a:schemeClr val="accent1"/>
+          </a:effectRef>
+          <a:fontRef idx="minor">
+            <a:schemeClr val="lt1"/>
+          </a:fontRef>
+        </p:style>
+        <p:txBody>
+          <a:bodyPr rtlCol="0" anchor="ctr"/>
+          <a:lstStyle/>
+          <a:p>
+            <a:pPr algn="ctr"/>
+            <a:r>
+              <a:rPr lang="en-US" sz="2800" dirty="0" err="1" smtClean="0"/>
+              <a:t>Unikernel</a:t>
+            </a:r>
+            <a:endParaRPr lang="en-US" sz="2800" dirty="0"/>
+          </a:p>
+        </p:txBody>
+      </p:sp>
+      <p:sp>
+        <p:nvSpPr>
+          <p:cNvPr id="4" name="Oval 3"/>
+          <p:cNvSpPr/>
+          <p:nvPr/>
+        </p:nvSpPr>
+        <p:spPr>
+          <a:xfrm>
+            <a:off x="6124445" y="1950720"/>
+            <a:ext cx="1859280" cy="1524000"/>
+          </a:xfrm>
+          <a:prstGeom prst="ellipse">
+            <a:avLst/>
+          </a:prstGeom>
+          <a:solidFill>
+            <a:schemeClr val="accent5">
+              <a:lumMod val="75000"/>
+            </a:schemeClr>
+          </a:solidFill>
+          <a:ln>
+            <a:solidFill>
+              <a:schemeClr val="tx1"/>
+            </a:solidFill>
+          </a:ln>
+        </p:spPr>
+        <p:style>
+          <a:lnRef idx="2">
+            <a:schemeClr val="accent1">
+              <a:shade val="50000"/>
+            </a:schemeClr>
+          </a:lnRef>
+          <a:fillRef idx="1">
+            <a:schemeClr val="accent1"/>
+          </a:fillRef>
+          <a:effectRef idx="0">
+            <a:schemeClr val="accent1"/>
+          </a:effectRef>
+          <a:fontRef idx="minor">
+            <a:schemeClr val="lt1"/>
+          </a:fontRef>
+        </p:style>
+        <p:txBody>
+          <a:bodyPr rtlCol="0" anchor="ctr"/>
+          <a:lstStyle/>
+          <a:p>
+            <a:pPr algn="ctr"/>
+            <a:r>
+              <a:rPr lang="en-US" dirty="0" smtClean="0"/>
+              <a:t>Haven</a:t>
+            </a:r>
+            <a:endParaRPr lang="en-US" dirty="0"/>
+          </a:p>
+        </p:txBody>
+      </p:sp>
+      <p:cxnSp>
+        <p:nvCxnSpPr>
+          <p:cNvPr id="5" name="Straight Connector 4"/>
+          <p:cNvCxnSpPr>
+            <a:stCxn id="3" idx="0"/>
+            <a:endCxn id="2" idx="3"/>
+          </p:cNvCxnSpPr>
+          <p:nvPr/>
+        </p:nvCxnSpPr>
+        <p:spPr>
+          <a:xfrm flipV="1">
+            <a:off x="2669540" y="1727535"/>
+            <a:ext cx="1803905" cy="223185"/>
+          </a:xfrm>
+          <a:prstGeom prst="line">
+            <a:avLst/>
+          </a:prstGeom>
+          <a:ln w="12700">
+            <a:solidFill>
+              <a:schemeClr val="tx1"/>
+            </a:solidFill>
+          </a:ln>
+        </p:spPr>
+        <p:style>
+          <a:lnRef idx="1">
+            <a:schemeClr val="accent1"/>
+          </a:lnRef>
+          <a:fillRef idx="0">
+            <a:schemeClr val="accent1"/>
+          </a:fillRef>
+          <a:effectRef idx="0">
+            <a:schemeClr val="accent1"/>
+          </a:effectRef>
+          <a:fontRef idx="minor">
+            <a:schemeClr val="tx1"/>
+          </a:fontRef>
+        </p:style>
+      </p:cxnSp>
+      <p:cxnSp>
+        <p:nvCxnSpPr>
+          <p:cNvPr id="6" name="Straight Connector 5"/>
+          <p:cNvCxnSpPr>
+            <a:stCxn id="2" idx="5"/>
+            <a:endCxn id="4" idx="0"/>
+          </p:cNvCxnSpPr>
+          <p:nvPr/>
+        </p:nvCxnSpPr>
+        <p:spPr>
+          <a:xfrm>
+            <a:off x="5788155" y="1727535"/>
+            <a:ext cx="1265930" cy="223185"/>
+          </a:xfrm>
+          <a:prstGeom prst="line">
+            <a:avLst/>
+          </a:prstGeom>
+          <a:ln w="12700">
+            <a:solidFill>
+              <a:schemeClr val="tx1"/>
+            </a:solidFill>
+          </a:ln>
+        </p:spPr>
+        <p:style>
+          <a:lnRef idx="1">
+            <a:schemeClr val="accent1"/>
+          </a:lnRef>
+          <a:fillRef idx="0">
+            <a:schemeClr val="accent1"/>
+          </a:fillRef>
+          <a:effectRef idx="0">
+            <a:schemeClr val="accent1"/>
+          </a:effectRef>
+          <a:fontRef idx="minor">
+            <a:schemeClr val="tx1"/>
+          </a:fontRef>
+        </p:style>
+      </p:cxnSp>
+    </p:spTree>
+    <p:extLst>
+      <p:ext uri="{BB962C8B-B14F-4D97-AF65-F5344CB8AC3E}">
+        <p14:creationId xmlns:p14="http://schemas.microsoft.com/office/powerpoint/2010/main" val="565243635"/>
       </p:ext>
     </p:extLst>
   </p:cSld>

--- a/old/Figures/figExo.pptx
+++ b/old/Figures/figExo.pptx
@@ -207,7 +207,7 @@
           <a:p>
             <a:fld id="{F7247873-13DB-B348-9DB5-F2E305A983EF}" type="datetimeFigureOut">
               <a:rPr lang="en-US" smtClean="0"/>
-              <a:t>6/24/17</a:t>
+              <a:t>6/26/17</a:t>
             </a:fld>
             <a:endParaRPr lang="en-US"/>
           </a:p>
@@ -606,7 +606,7 @@
           <a:p>
             <a:fld id="{EEE4A0AB-0E9A-E048-9EAB-8034B376575F}" type="datetimeFigureOut">
               <a:rPr lang="en-US" smtClean="0"/>
-              <a:t>6/24/17</a:t>
+              <a:t>6/26/17</a:t>
             </a:fld>
             <a:endParaRPr lang="en-US"/>
           </a:p>
@@ -776,7 +776,7 @@
           <a:p>
             <a:fld id="{EEE4A0AB-0E9A-E048-9EAB-8034B376575F}" type="datetimeFigureOut">
               <a:rPr lang="en-US" smtClean="0"/>
-              <a:t>6/24/17</a:t>
+              <a:t>6/26/17</a:t>
             </a:fld>
             <a:endParaRPr lang="en-US"/>
           </a:p>
@@ -956,7 +956,7 @@
           <a:p>
             <a:fld id="{EEE4A0AB-0E9A-E048-9EAB-8034B376575F}" type="datetimeFigureOut">
               <a:rPr lang="en-US" smtClean="0"/>
-              <a:t>6/24/17</a:t>
+              <a:t>6/26/17</a:t>
             </a:fld>
             <a:endParaRPr lang="en-US"/>
           </a:p>
@@ -1126,7 +1126,7 @@
           <a:p>
             <a:fld id="{EEE4A0AB-0E9A-E048-9EAB-8034B376575F}" type="datetimeFigureOut">
               <a:rPr lang="en-US" smtClean="0"/>
-              <a:t>6/24/17</a:t>
+              <a:t>6/26/17</a:t>
             </a:fld>
             <a:endParaRPr lang="en-US"/>
           </a:p>
@@ -1372,7 +1372,7 @@
           <a:p>
             <a:fld id="{EEE4A0AB-0E9A-E048-9EAB-8034B376575F}" type="datetimeFigureOut">
               <a:rPr lang="en-US" smtClean="0"/>
-              <a:t>6/24/17</a:t>
+              <a:t>6/26/17</a:t>
             </a:fld>
             <a:endParaRPr lang="en-US"/>
           </a:p>
@@ -1604,7 +1604,7 @@
           <a:p>
             <a:fld id="{EEE4A0AB-0E9A-E048-9EAB-8034B376575F}" type="datetimeFigureOut">
               <a:rPr lang="en-US" smtClean="0"/>
-              <a:t>6/24/17</a:t>
+              <a:t>6/26/17</a:t>
             </a:fld>
             <a:endParaRPr lang="en-US"/>
           </a:p>
@@ -1971,7 +1971,7 @@
           <a:p>
             <a:fld id="{EEE4A0AB-0E9A-E048-9EAB-8034B376575F}" type="datetimeFigureOut">
               <a:rPr lang="en-US" smtClean="0"/>
-              <a:t>6/24/17</a:t>
+              <a:t>6/26/17</a:t>
             </a:fld>
             <a:endParaRPr lang="en-US"/>
           </a:p>
@@ -2089,7 +2089,7 @@
           <a:p>
             <a:fld id="{EEE4A0AB-0E9A-E048-9EAB-8034B376575F}" type="datetimeFigureOut">
               <a:rPr lang="en-US" smtClean="0"/>
-              <a:t>6/24/17</a:t>
+              <a:t>6/26/17</a:t>
             </a:fld>
             <a:endParaRPr lang="en-US"/>
           </a:p>
@@ -2184,7 +2184,7 @@
           <a:p>
             <a:fld id="{EEE4A0AB-0E9A-E048-9EAB-8034B376575F}" type="datetimeFigureOut">
               <a:rPr lang="en-US" smtClean="0"/>
-              <a:t>6/24/17</a:t>
+              <a:t>6/26/17</a:t>
             </a:fld>
             <a:endParaRPr lang="en-US"/>
           </a:p>
@@ -2461,7 +2461,7 @@
           <a:p>
             <a:fld id="{EEE4A0AB-0E9A-E048-9EAB-8034B376575F}" type="datetimeFigureOut">
               <a:rPr lang="en-US" smtClean="0"/>
-              <a:t>6/24/17</a:t>
+              <a:t>6/26/17</a:t>
             </a:fld>
             <a:endParaRPr lang="en-US"/>
           </a:p>
@@ -2714,7 +2714,7 @@
           <a:p>
             <a:fld id="{EEE4A0AB-0E9A-E048-9EAB-8034B376575F}" type="datetimeFigureOut">
               <a:rPr lang="en-US" smtClean="0"/>
-              <a:t>6/24/17</a:t>
+              <a:t>6/26/17</a:t>
             </a:fld>
             <a:endParaRPr lang="en-US"/>
           </a:p>
@@ -2927,7 +2927,7 @@
           <a:p>
             <a:fld id="{EEE4A0AB-0E9A-E048-9EAB-8034B376575F}" type="datetimeFigureOut">
               <a:rPr lang="en-US" smtClean="0"/>
-              <a:t>6/24/17</a:t>
+              <a:t>6/26/17</a:t>
             </a:fld>
             <a:endParaRPr lang="en-US"/>
           </a:p>
@@ -4570,8 +4570,9 @@
             <a:avLst/>
           </a:prstGeom>
           <a:solidFill>
-            <a:schemeClr val="bg1">
-              <a:lumMod val="85000"/>
+            <a:schemeClr val="tx1">
+              <a:lumMod val="50000"/>
+              <a:lumOff val="50000"/>
             </a:schemeClr>
           </a:solidFill>
           <a:ln>
@@ -4836,8 +4837,9 @@
             <a:avLst/>
           </a:prstGeom>
           <a:solidFill>
-            <a:schemeClr val="bg1">
-              <a:lumMod val="85000"/>
+            <a:schemeClr val="tx1">
+              <a:lumMod val="50000"/>
+              <a:lumOff val="50000"/>
             </a:schemeClr>
           </a:solidFill>
           <a:ln>
@@ -5235,8 +5237,9 @@
             <a:avLst/>
           </a:prstGeom>
           <a:solidFill>
-            <a:schemeClr val="bg1">
-              <a:lumMod val="65000"/>
+            <a:schemeClr val="tx1">
+              <a:lumMod val="50000"/>
+              <a:lumOff val="50000"/>
             </a:schemeClr>
           </a:solidFill>
           <a:ln>
@@ -5297,8 +5300,9 @@
             <a:avLst/>
           </a:prstGeom>
           <a:solidFill>
-            <a:schemeClr val="bg1">
-              <a:lumMod val="65000"/>
+            <a:schemeClr val="tx1">
+              <a:lumMod val="50000"/>
+              <a:lumOff val="50000"/>
             </a:schemeClr>
           </a:solidFill>
           <a:ln>
@@ -5412,7 +5416,7 @@
         </p:nvSpPr>
         <p:spPr>
           <a:xfrm>
-            <a:off x="1051133" y="2256090"/>
+            <a:off x="1051132" y="2256087"/>
             <a:ext cx="3418317" cy="2461188"/>
           </a:xfrm>
           <a:prstGeom prst="rect">
@@ -5712,7 +5716,7 @@
             <a:avLst/>
           </a:prstGeom>
           <a:solidFill>
-            <a:schemeClr val="accent5">
+            <a:schemeClr val="tx2">
               <a:lumMod val="60000"/>
               <a:lumOff val="40000"/>
             </a:schemeClr>
@@ -5767,7 +5771,7 @@
             <a:avLst/>
           </a:prstGeom>
           <a:solidFill>
-            <a:schemeClr val="accent5">
+            <a:schemeClr val="tx2">
               <a:lumMod val="60000"/>
               <a:lumOff val="40000"/>
             </a:schemeClr>
@@ -5822,7 +5826,7 @@
             <a:avLst/>
           </a:prstGeom>
           <a:solidFill>
-            <a:schemeClr val="accent5">
+            <a:schemeClr val="tx2">
               <a:lumMod val="60000"/>
               <a:lumOff val="40000"/>
             </a:schemeClr>
@@ -5873,7 +5877,7 @@
             <a:avLst/>
           </a:prstGeom>
           <a:solidFill>
-            <a:schemeClr val="accent5">
+            <a:schemeClr val="tx2">
               <a:lumMod val="60000"/>
               <a:lumOff val="40000"/>
             </a:schemeClr>
@@ -5959,7 +5963,12 @@
           <a:prstGeom prst="rect">
             <a:avLst/>
           </a:prstGeom>
-          <a:noFill/>
+          <a:solidFill>
+            <a:schemeClr val="tx2">
+              <a:lumMod val="60000"/>
+              <a:lumOff val="40000"/>
+            </a:schemeClr>
+          </a:solidFill>
         </p:spPr>
         <p:txBody>
           <a:bodyPr wrap="none" rtlCol="0">
@@ -6517,8 +6526,9 @@
             <a:avLst/>
           </a:prstGeom>
           <a:solidFill>
-            <a:schemeClr val="bg1">
-              <a:lumMod val="65000"/>
+            <a:schemeClr val="tx1">
+              <a:lumMod val="50000"/>
+              <a:lumOff val="50000"/>
             </a:schemeClr>
           </a:solidFill>
           <a:ln>
@@ -6566,36 +6576,6 @@
       </p:sp>
       <p:sp>
         <p:nvSpPr>
-          <p:cNvPr id="5" name="TextBox 4"/>
-          <p:cNvSpPr txBox="1"/>
-          <p:nvPr/>
-        </p:nvSpPr>
-        <p:spPr>
-          <a:xfrm>
-            <a:off x="1887007" y="5845324"/>
-            <a:ext cx="1513556" cy="369332"/>
-          </a:xfrm>
-          <a:prstGeom prst="rect">
-            <a:avLst/>
-          </a:prstGeom>
-          <a:noFill/>
-        </p:spPr>
-        <p:txBody>
-          <a:bodyPr wrap="none" rtlCol="0">
-            <a:spAutoFit/>
-          </a:bodyPr>
-          <a:lstStyle/>
-          <a:p>
-            <a:r>
-              <a:rPr lang="en-US" dirty="0" smtClean="0"/>
-              <a:t>Monolithic OS</a:t>
-            </a:r>
-            <a:endParaRPr lang="en-US" dirty="0"/>
-          </a:p>
-        </p:txBody>
-      </p:sp>
-      <p:sp>
-        <p:nvSpPr>
           <p:cNvPr id="6" name="Rectangle 5"/>
           <p:cNvSpPr/>
           <p:nvPr/>
@@ -6725,7 +6705,7 @@
             <a:avLst/>
           </a:prstGeom>
           <a:solidFill>
-            <a:schemeClr val="accent5">
+            <a:schemeClr val="tx2">
               <a:lumMod val="60000"/>
               <a:lumOff val="40000"/>
             </a:schemeClr>
@@ -6780,7 +6760,7 @@
             <a:avLst/>
           </a:prstGeom>
           <a:solidFill>
-            <a:schemeClr val="accent5">
+            <a:schemeClr val="tx2">
               <a:lumMod val="60000"/>
               <a:lumOff val="40000"/>
             </a:schemeClr>
@@ -6835,8 +6815,9 @@
             <a:avLst/>
           </a:prstGeom>
           <a:solidFill>
-            <a:schemeClr val="bg1">
-              <a:lumMod val="65000"/>
+            <a:schemeClr val="tx1">
+              <a:lumMod val="50000"/>
+              <a:lumOff val="50000"/>
             </a:schemeClr>
           </a:solidFill>
           <a:ln>
@@ -6884,36 +6865,6 @@
       </p:sp>
       <p:sp>
         <p:nvSpPr>
-          <p:cNvPr id="28" name="TextBox 27"/>
-          <p:cNvSpPr txBox="1"/>
-          <p:nvPr/>
-        </p:nvSpPr>
-        <p:spPr>
-          <a:xfrm>
-            <a:off x="7586767" y="5845324"/>
-            <a:ext cx="1513556" cy="369332"/>
-          </a:xfrm>
-          <a:prstGeom prst="rect">
-            <a:avLst/>
-          </a:prstGeom>
-          <a:noFill/>
-        </p:spPr>
-        <p:txBody>
-          <a:bodyPr wrap="none" rtlCol="0">
-            <a:spAutoFit/>
-          </a:bodyPr>
-          <a:lstStyle/>
-          <a:p>
-            <a:r>
-              <a:rPr lang="en-US" dirty="0" smtClean="0"/>
-              <a:t>Monolithic OS</a:t>
-            </a:r>
-            <a:endParaRPr lang="en-US" dirty="0"/>
-          </a:p>
-        </p:txBody>
-      </p:sp>
-      <p:sp>
-        <p:nvSpPr>
           <p:cNvPr id="29" name="Rectangle 28"/>
           <p:cNvSpPr/>
           <p:nvPr/>
@@ -7141,7 +7092,7 @@
             <a:avLst/>
           </a:prstGeom>
           <a:solidFill>
-            <a:schemeClr val="accent5">
+            <a:schemeClr val="tx2">
               <a:lumMod val="60000"/>
               <a:lumOff val="40000"/>
             </a:schemeClr>
@@ -7196,7 +7147,7 @@
             <a:avLst/>
           </a:prstGeom>
           <a:solidFill>
-            <a:schemeClr val="accent5">
+            <a:schemeClr val="tx2">
               <a:lumMod val="60000"/>
               <a:lumOff val="40000"/>
             </a:schemeClr>
@@ -7385,8 +7336,9 @@
             <a:avLst/>
           </a:prstGeom>
           <a:solidFill>
-            <a:schemeClr val="bg1">
-              <a:lumMod val="65000"/>
+            <a:schemeClr val="tx1">
+              <a:lumMod val="50000"/>
+              <a:lumOff val="50000"/>
             </a:schemeClr>
           </a:solidFill>
           <a:ln>
@@ -7447,8 +7399,9 @@
             <a:avLst/>
           </a:prstGeom>
           <a:solidFill>
-            <a:schemeClr val="bg1">
-              <a:lumMod val="65000"/>
+            <a:schemeClr val="tx1">
+              <a:lumMod val="50000"/>
+              <a:lumOff val="50000"/>
             </a:schemeClr>
           </a:solidFill>
           <a:ln>
@@ -8189,66 +8142,6 @@
               <a:rPr lang="en-US" dirty="0" smtClean="0"/>
               <a:t>Database library</a:t>
             </a:r>
-          </a:p>
-        </p:txBody>
-      </p:sp>
-      <p:sp>
-        <p:nvSpPr>
-          <p:cNvPr id="27" name="TextBox 26"/>
-          <p:cNvSpPr txBox="1"/>
-          <p:nvPr/>
-        </p:nvSpPr>
-        <p:spPr>
-          <a:xfrm>
-            <a:off x="1642775" y="5713243"/>
-            <a:ext cx="2214709" cy="369332"/>
-          </a:xfrm>
-          <a:prstGeom prst="rect">
-            <a:avLst/>
-          </a:prstGeom>
-          <a:noFill/>
-        </p:spPr>
-        <p:txBody>
-          <a:bodyPr wrap="none" rtlCol="0">
-            <a:spAutoFit/>
-          </a:bodyPr>
-          <a:lstStyle/>
-          <a:p>
-            <a:r>
-              <a:rPr lang="en-US" smtClean="0"/>
-              <a:t>Standard deployment</a:t>
-            </a:r>
-            <a:endParaRPr lang="en-US" dirty="0"/>
-          </a:p>
-        </p:txBody>
-      </p:sp>
-      <p:sp>
-        <p:nvSpPr>
-          <p:cNvPr id="28" name="TextBox 27"/>
-          <p:cNvSpPr txBox="1"/>
-          <p:nvPr/>
-        </p:nvSpPr>
-        <p:spPr>
-          <a:xfrm>
-            <a:off x="7580068" y="5713243"/>
-            <a:ext cx="1089401" cy="369332"/>
-          </a:xfrm>
-          <a:prstGeom prst="rect">
-            <a:avLst/>
-          </a:prstGeom>
-          <a:noFill/>
-        </p:spPr>
-        <p:txBody>
-          <a:bodyPr wrap="none" rtlCol="0">
-            <a:spAutoFit/>
-          </a:bodyPr>
-          <a:lstStyle/>
-          <a:p>
-            <a:r>
-              <a:rPr lang="en-US" smtClean="0"/>
-              <a:t>Unikernel</a:t>
-            </a:r>
-            <a:endParaRPr lang="en-US" dirty="0"/>
           </a:p>
         </p:txBody>
       </p:sp>
@@ -8297,8 +8190,9 @@
             <a:avLst/>
           </a:prstGeom>
           <a:solidFill>
-            <a:schemeClr val="bg1">
-              <a:lumMod val="65000"/>
+            <a:schemeClr val="tx1">
+              <a:lumMod val="50000"/>
+              <a:lumOff val="50000"/>
             </a:schemeClr>
           </a:solidFill>
           <a:ln>
@@ -8421,8 +8315,9 @@
             <a:avLst/>
           </a:prstGeom>
           <a:solidFill>
-            <a:schemeClr val="bg1">
-              <a:lumMod val="65000"/>
+            <a:schemeClr val="tx1">
+              <a:lumMod val="50000"/>
+              <a:lumOff val="50000"/>
             </a:schemeClr>
           </a:solidFill>
           <a:ln>
@@ -8653,7 +8548,7 @@
             <a:avLst/>
           </a:prstGeom>
           <a:solidFill>
-            <a:schemeClr val="accent5">
+            <a:schemeClr val="tx2">
               <a:lumMod val="60000"/>
               <a:lumOff val="40000"/>
             </a:schemeClr>
@@ -8708,7 +8603,7 @@
             <a:avLst/>
           </a:prstGeom>
           <a:solidFill>
-            <a:schemeClr val="accent5">
+            <a:schemeClr val="tx2">
               <a:lumMod val="60000"/>
               <a:lumOff val="40000"/>
             </a:schemeClr>
@@ -8798,70 +8693,6 @@
             <a:r>
               <a:rPr lang="en-US" dirty="0" err="1" smtClean="0"/>
               <a:t>LibOS</a:t>
-            </a:r>
-            <a:endParaRPr lang="en-US" dirty="0"/>
-          </a:p>
-        </p:txBody>
-      </p:sp>
-      <p:sp>
-        <p:nvSpPr>
-          <p:cNvPr id="13" name="TextBox 12"/>
-          <p:cNvSpPr txBox="1"/>
-          <p:nvPr/>
-        </p:nvSpPr>
-        <p:spPr>
-          <a:xfrm>
-            <a:off x="2235886" y="5691501"/>
-            <a:ext cx="1028487" cy="369332"/>
-          </a:xfrm>
-          <a:prstGeom prst="rect">
-            <a:avLst/>
-          </a:prstGeom>
-          <a:noFill/>
-        </p:spPr>
-        <p:txBody>
-          <a:bodyPr wrap="none" rtlCol="0">
-            <a:spAutoFit/>
-          </a:bodyPr>
-          <a:lstStyle/>
-          <a:p>
-            <a:r>
-              <a:rPr lang="en-US" smtClean="0"/>
-              <a:t>Standard</a:t>
-            </a:r>
-            <a:endParaRPr lang="en-US" dirty="0"/>
-          </a:p>
-        </p:txBody>
-      </p:sp>
-      <p:sp>
-        <p:nvSpPr>
-          <p:cNvPr id="14" name="TextBox 13"/>
-          <p:cNvSpPr txBox="1"/>
-          <p:nvPr/>
-        </p:nvSpPr>
-        <p:spPr>
-          <a:xfrm>
-            <a:off x="7279964" y="5691501"/>
-            <a:ext cx="775212" cy="369332"/>
-          </a:xfrm>
-          <a:prstGeom prst="rect">
-            <a:avLst/>
-          </a:prstGeom>
-          <a:noFill/>
-        </p:spPr>
-        <p:txBody>
-          <a:bodyPr wrap="none" rtlCol="0">
-            <a:spAutoFit/>
-          </a:bodyPr>
-          <a:lstStyle/>
-          <a:p>
-            <a:r>
-              <a:rPr lang="en-US"/>
-              <a:t>H</a:t>
-            </a:r>
-            <a:r>
-              <a:rPr lang="en-US" smtClean="0"/>
-              <a:t>aven</a:t>
             </a:r>
             <a:endParaRPr lang="en-US" dirty="0"/>
           </a:p>
@@ -9443,15 +9274,16 @@
         </p:nvSpPr>
         <p:spPr>
           <a:xfrm>
-            <a:off x="4201160" y="426720"/>
+            <a:off x="4201160" y="436880"/>
             <a:ext cx="1859280" cy="1524000"/>
           </a:xfrm>
           <a:prstGeom prst="ellipse">
             <a:avLst/>
           </a:prstGeom>
           <a:solidFill>
-            <a:schemeClr val="bg1">
-              <a:lumMod val="85000"/>
+            <a:schemeClr val="tx1">
+              <a:lumMod val="50000"/>
+              <a:lumOff val="50000"/>
             </a:schemeClr>
           </a:solidFill>
           <a:ln>
@@ -9606,8 +9438,8 @@
         </p:nvCxnSpPr>
         <p:spPr>
           <a:xfrm flipV="1">
-            <a:off x="3271520" y="1727535"/>
-            <a:ext cx="1201925" cy="223185"/>
+            <a:off x="3271520" y="1737695"/>
+            <a:ext cx="1201925" cy="213025"/>
           </a:xfrm>
           <a:prstGeom prst="line">
             <a:avLst/>
@@ -9644,8 +9476,8 @@
         </p:nvCxnSpPr>
         <p:spPr>
           <a:xfrm>
-            <a:off x="5788155" y="1727535"/>
-            <a:ext cx="1265930" cy="223185"/>
+            <a:off x="5788155" y="1737695"/>
+            <a:ext cx="1265930" cy="213025"/>
           </a:xfrm>
           <a:prstGeom prst="line">
             <a:avLst/>
@@ -9716,8 +9548,9 @@
             <a:avLst/>
           </a:prstGeom>
           <a:solidFill>
-            <a:schemeClr val="bg1">
-              <a:lumMod val="85000"/>
+            <a:schemeClr val="tx1">
+              <a:lumMod val="50000"/>
+              <a:lumOff val="50000"/>
             </a:schemeClr>
           </a:solidFill>
           <a:ln>

--- a/old/Figures/figExo.pptx
+++ b/old/Figures/figExo.pptx
@@ -7612,10 +7612,9 @@
           <a:p>
             <a:pPr algn="ctr"/>
             <a:r>
-              <a:rPr lang="en-US" smtClean="0"/>
+              <a:rPr lang="en-US" dirty="0" smtClean="0"/>
               <a:t>PL Runtime</a:t>
             </a:r>
-            <a:endParaRPr lang="en-US" dirty="0" smtClean="0"/>
           </a:p>
         </p:txBody>
       </p:sp>
@@ -8140,8 +8139,13 @@
             <a:pPr algn="ctr"/>
             <a:r>
               <a:rPr lang="en-US" dirty="0" smtClean="0"/>
-              <a:t>Database library</a:t>
-            </a:r>
+              <a:t>Database </a:t>
+            </a:r>
+            <a:r>
+              <a:rPr lang="en-US" dirty="0" smtClean="0"/>
+              <a:t>library</a:t>
+            </a:r>
+            <a:endParaRPr lang="en-US" dirty="0" smtClean="0"/>
           </a:p>
         </p:txBody>
       </p:sp>
@@ -9314,7 +9318,7 @@
           <a:p>
             <a:pPr algn="ctr"/>
             <a:r>
-              <a:rPr lang="en-US" smtClean="0"/>
+              <a:rPr lang="en-US" dirty="0" err="1" smtClean="0"/>
               <a:t>Exokernel</a:t>
             </a:r>
             <a:endParaRPr lang="en-US" dirty="0"/>

--- a/old/Figures/figExo.pptx
+++ b/old/Figures/figExo.pptx
@@ -7876,7 +7876,7 @@
         </p:nvSpPr>
         <p:spPr>
           <a:xfrm>
-            <a:off x="1040973" y="1019323"/>
+            <a:off x="1040973" y="1100887"/>
             <a:ext cx="1661587" cy="700756"/>
           </a:xfrm>
           <a:prstGeom prst="rect">
@@ -7939,7 +7939,7 @@
         </p:nvSpPr>
         <p:spPr>
           <a:xfrm>
-            <a:off x="1040972" y="237003"/>
+            <a:off x="1040972" y="318567"/>
             <a:ext cx="3418317" cy="700756"/>
           </a:xfrm>
           <a:prstGeom prst="rect">
@@ -8002,7 +8002,7 @@
         </p:nvSpPr>
         <p:spPr>
           <a:xfrm>
-            <a:off x="6415611" y="2800837"/>
+            <a:off x="6415611" y="2882401"/>
             <a:ext cx="3418317" cy="592319"/>
           </a:xfrm>
           <a:prstGeom prst="rect">
@@ -8050,7 +8050,7 @@
         </p:nvSpPr>
         <p:spPr>
           <a:xfrm>
-            <a:off x="6415611" y="2800836"/>
+            <a:off x="6415611" y="2882400"/>
             <a:ext cx="1529509" cy="592319"/>
           </a:xfrm>
           <a:prstGeom prst="rect">
@@ -8101,7 +8101,7 @@
         </p:nvSpPr>
         <p:spPr>
           <a:xfrm>
-            <a:off x="7945120" y="2800836"/>
+            <a:off x="7945120" y="2882400"/>
             <a:ext cx="1888808" cy="592319"/>
           </a:xfrm>
           <a:prstGeom prst="rect">

--- a/old/Figures/figExo.pptx
+++ b/old/Figures/figExo.pptx
@@ -207,7 +207,7 @@
           <a:p>
             <a:fld id="{F7247873-13DB-B348-9DB5-F2E305A983EF}" type="datetimeFigureOut">
               <a:rPr lang="en-US" smtClean="0"/>
-              <a:t>6/26/17</a:t>
+              <a:t>6/27/17</a:t>
             </a:fld>
             <a:endParaRPr lang="en-US"/>
           </a:p>
@@ -606,7 +606,7 @@
           <a:p>
             <a:fld id="{EEE4A0AB-0E9A-E048-9EAB-8034B376575F}" type="datetimeFigureOut">
               <a:rPr lang="en-US" smtClean="0"/>
-              <a:t>6/26/17</a:t>
+              <a:t>6/27/17</a:t>
             </a:fld>
             <a:endParaRPr lang="en-US"/>
           </a:p>
@@ -776,7 +776,7 @@
           <a:p>
             <a:fld id="{EEE4A0AB-0E9A-E048-9EAB-8034B376575F}" type="datetimeFigureOut">
               <a:rPr lang="en-US" smtClean="0"/>
-              <a:t>6/26/17</a:t>
+              <a:t>6/27/17</a:t>
             </a:fld>
             <a:endParaRPr lang="en-US"/>
           </a:p>
@@ -956,7 +956,7 @@
           <a:p>
             <a:fld id="{EEE4A0AB-0E9A-E048-9EAB-8034B376575F}" type="datetimeFigureOut">
               <a:rPr lang="en-US" smtClean="0"/>
-              <a:t>6/26/17</a:t>
+              <a:t>6/27/17</a:t>
             </a:fld>
             <a:endParaRPr lang="en-US"/>
           </a:p>
@@ -1126,7 +1126,7 @@
           <a:p>
             <a:fld id="{EEE4A0AB-0E9A-E048-9EAB-8034B376575F}" type="datetimeFigureOut">
               <a:rPr lang="en-US" smtClean="0"/>
-              <a:t>6/26/17</a:t>
+              <a:t>6/27/17</a:t>
             </a:fld>
             <a:endParaRPr lang="en-US"/>
           </a:p>
@@ -1372,7 +1372,7 @@
           <a:p>
             <a:fld id="{EEE4A0AB-0E9A-E048-9EAB-8034B376575F}" type="datetimeFigureOut">
               <a:rPr lang="en-US" smtClean="0"/>
-              <a:t>6/26/17</a:t>
+              <a:t>6/27/17</a:t>
             </a:fld>
             <a:endParaRPr lang="en-US"/>
           </a:p>
@@ -1604,7 +1604,7 @@
           <a:p>
             <a:fld id="{EEE4A0AB-0E9A-E048-9EAB-8034B376575F}" type="datetimeFigureOut">
               <a:rPr lang="en-US" smtClean="0"/>
-              <a:t>6/26/17</a:t>
+              <a:t>6/27/17</a:t>
             </a:fld>
             <a:endParaRPr lang="en-US"/>
           </a:p>
@@ -1971,7 +1971,7 @@
           <a:p>
             <a:fld id="{EEE4A0AB-0E9A-E048-9EAB-8034B376575F}" type="datetimeFigureOut">
               <a:rPr lang="en-US" smtClean="0"/>
-              <a:t>6/26/17</a:t>
+              <a:t>6/27/17</a:t>
             </a:fld>
             <a:endParaRPr lang="en-US"/>
           </a:p>
@@ -2089,7 +2089,7 @@
           <a:p>
             <a:fld id="{EEE4A0AB-0E9A-E048-9EAB-8034B376575F}" type="datetimeFigureOut">
               <a:rPr lang="en-US" smtClean="0"/>
-              <a:t>6/26/17</a:t>
+              <a:t>6/27/17</a:t>
             </a:fld>
             <a:endParaRPr lang="en-US"/>
           </a:p>
@@ -2184,7 +2184,7 @@
           <a:p>
             <a:fld id="{EEE4A0AB-0E9A-E048-9EAB-8034B376575F}" type="datetimeFigureOut">
               <a:rPr lang="en-US" smtClean="0"/>
-              <a:t>6/26/17</a:t>
+              <a:t>6/27/17</a:t>
             </a:fld>
             <a:endParaRPr lang="en-US"/>
           </a:p>
@@ -2461,7 +2461,7 @@
           <a:p>
             <a:fld id="{EEE4A0AB-0E9A-E048-9EAB-8034B376575F}" type="datetimeFigureOut">
               <a:rPr lang="en-US" smtClean="0"/>
-              <a:t>6/26/17</a:t>
+              <a:t>6/27/17</a:t>
             </a:fld>
             <a:endParaRPr lang="en-US"/>
           </a:p>
@@ -2714,7 +2714,7 @@
           <a:p>
             <a:fld id="{EEE4A0AB-0E9A-E048-9EAB-8034B376575F}" type="datetimeFigureOut">
               <a:rPr lang="en-US" smtClean="0"/>
-              <a:t>6/26/17</a:t>
+              <a:t>6/27/17</a:t>
             </a:fld>
             <a:endParaRPr lang="en-US"/>
           </a:p>
@@ -2927,7 +2927,7 @@
           <a:p>
             <a:fld id="{EEE4A0AB-0E9A-E048-9EAB-8034B376575F}" type="datetimeFigureOut">
               <a:rPr lang="en-US" smtClean="0"/>
-              <a:t>6/26/17</a:t>
+              <a:t>6/27/17</a:t>
             </a:fld>
             <a:endParaRPr lang="en-US"/>
           </a:p>
@@ -7612,8 +7612,16 @@
           <a:p>
             <a:pPr algn="ctr"/>
             <a:r>
+              <a:rPr lang="en-US" dirty="0" err="1" smtClean="0"/>
+              <a:t>LibOS</a:t>
+            </a:r>
+            <a:r>
               <a:rPr lang="en-US" dirty="0" smtClean="0"/>
-              <a:t>PL Runtime</a:t>
+              <a:t> + PL </a:t>
+            </a:r>
+            <a:r>
+              <a:rPr lang="en-US" dirty="0" smtClean="0"/>
+              <a:t>Runtime</a:t>
             </a:r>
           </a:p>
         </p:txBody>
@@ -8038,112 +8046,9 @@
           <a:lstStyle/>
           <a:p>
             <a:pPr algn="ctr"/>
-            <a:endParaRPr lang="en-US" dirty="0" smtClean="0"/>
-          </a:p>
-        </p:txBody>
-      </p:sp>
-      <p:sp>
-        <p:nvSpPr>
-          <p:cNvPr id="24" name="Rectangle 23"/>
-          <p:cNvSpPr/>
-          <p:nvPr/>
-        </p:nvSpPr>
-        <p:spPr>
-          <a:xfrm>
-            <a:off x="6415611" y="2882400"/>
-            <a:ext cx="1529509" cy="592319"/>
-          </a:xfrm>
-          <a:prstGeom prst="rect">
-            <a:avLst/>
-          </a:prstGeom>
-          <a:solidFill>
-            <a:schemeClr val="accent2"/>
-          </a:solidFill>
-          <a:ln>
-            <a:solidFill>
-              <a:schemeClr val="tx1"/>
-            </a:solidFill>
-          </a:ln>
-        </p:spPr>
-        <p:style>
-          <a:lnRef idx="2">
-            <a:schemeClr val="accent1">
-              <a:shade val="50000"/>
-            </a:schemeClr>
-          </a:lnRef>
-          <a:fillRef idx="1">
-            <a:schemeClr val="accent1"/>
-          </a:fillRef>
-          <a:effectRef idx="0">
-            <a:schemeClr val="accent1"/>
-          </a:effectRef>
-          <a:fontRef idx="minor">
-            <a:schemeClr val="lt1"/>
-          </a:fontRef>
-        </p:style>
-        <p:txBody>
-          <a:bodyPr rtlCol="0" anchor="ctr"/>
-          <a:lstStyle/>
-          <a:p>
-            <a:pPr algn="ctr"/>
             <a:r>
               <a:rPr lang="en-US" dirty="0" smtClean="0"/>
-              <a:t>Application</a:t>
-            </a:r>
-          </a:p>
-        </p:txBody>
-      </p:sp>
-      <p:sp>
-        <p:nvSpPr>
-          <p:cNvPr id="26" name="Rectangle 25"/>
-          <p:cNvSpPr/>
-          <p:nvPr/>
-        </p:nvSpPr>
-        <p:spPr>
-          <a:xfrm>
-            <a:off x="7945120" y="2882400"/>
-            <a:ext cx="1888808" cy="592319"/>
-          </a:xfrm>
-          <a:prstGeom prst="rect">
-            <a:avLst/>
-          </a:prstGeom>
-          <a:solidFill>
-            <a:schemeClr val="accent2"/>
-          </a:solidFill>
-          <a:ln>
-            <a:solidFill>
-              <a:schemeClr val="tx1"/>
-            </a:solidFill>
-          </a:ln>
-        </p:spPr>
-        <p:style>
-          <a:lnRef idx="2">
-            <a:schemeClr val="accent1">
-              <a:shade val="50000"/>
-            </a:schemeClr>
-          </a:lnRef>
-          <a:fillRef idx="1">
-            <a:schemeClr val="accent1"/>
-          </a:fillRef>
-          <a:effectRef idx="0">
-            <a:schemeClr val="accent1"/>
-          </a:effectRef>
-          <a:fontRef idx="minor">
-            <a:schemeClr val="lt1"/>
-          </a:fontRef>
-        </p:style>
-        <p:txBody>
-          <a:bodyPr rtlCol="0" anchor="ctr"/>
-          <a:lstStyle/>
-          <a:p>
-            <a:pPr algn="ctr"/>
-            <a:r>
-              <a:rPr lang="en-US" dirty="0" smtClean="0"/>
-              <a:t>Database </a:t>
-            </a:r>
-            <a:r>
-              <a:rPr lang="en-US" dirty="0" smtClean="0"/>
-              <a:t>library</a:t>
+              <a:t>Application + Database library</a:t>
             </a:r>
             <a:endParaRPr lang="en-US" dirty="0" smtClean="0"/>
           </a:p>

--- a/old/Figures/figExo.pptx
+++ b/old/Figures/figExo.pptx
@@ -7612,12 +7612,8 @@
           <a:p>
             <a:pPr algn="ctr"/>
             <a:r>
-              <a:rPr lang="en-US" dirty="0" err="1" smtClean="0"/>
-              <a:t>LibOS</a:t>
-            </a:r>
-            <a:r>
               <a:rPr lang="en-US" dirty="0" smtClean="0"/>
-              <a:t> + PL </a:t>
+              <a:t>PL </a:t>
             </a:r>
             <a:r>
               <a:rPr lang="en-US" dirty="0" smtClean="0"/>
@@ -8010,8 +8006,8 @@
         </p:nvSpPr>
         <p:spPr>
           <a:xfrm>
-            <a:off x="6415611" y="2882401"/>
-            <a:ext cx="3418317" cy="592319"/>
+            <a:off x="6415611" y="2733041"/>
+            <a:ext cx="3418317" cy="741680"/>
           </a:xfrm>
           <a:prstGeom prst="rect">
             <a:avLst/>
@@ -8048,7 +8044,15 @@
             <a:pPr algn="ctr"/>
             <a:r>
               <a:rPr lang="en-US" dirty="0" smtClean="0"/>
-              <a:t>Application + Database library</a:t>
+              <a:t>Application + Database </a:t>
+            </a:r>
+            <a:r>
+              <a:rPr lang="en-US" dirty="0" smtClean="0"/>
+              <a:t>library + </a:t>
+            </a:r>
+            <a:r>
+              <a:rPr lang="en-US" dirty="0" err="1" smtClean="0"/>
+              <a:t>LibOS</a:t>
             </a:r>
             <a:endParaRPr lang="en-US" dirty="0" smtClean="0"/>
           </a:p>

--- a/old/Figures/figExo.pptx
+++ b/old/Figures/figExo.pptx
@@ -7613,11 +7613,7 @@
             <a:pPr algn="ctr"/>
             <a:r>
               <a:rPr lang="en-US" dirty="0" smtClean="0"/>
-              <a:t>PL </a:t>
-            </a:r>
-            <a:r>
-              <a:rPr lang="en-US" dirty="0" smtClean="0"/>
-              <a:t>Runtime</a:t>
+              <a:t>PL Runtime</a:t>
             </a:r>
           </a:p>
         </p:txBody>
@@ -8044,11 +8040,7 @@
             <a:pPr algn="ctr"/>
             <a:r>
               <a:rPr lang="en-US" dirty="0" smtClean="0"/>
-              <a:t>Application + Database </a:t>
-            </a:r>
-            <a:r>
-              <a:rPr lang="en-US" dirty="0" smtClean="0"/>
-              <a:t>library + </a:t>
+              <a:t>Application + Database library + </a:t>
             </a:r>
             <a:r>
               <a:rPr lang="en-US" dirty="0" err="1" smtClean="0"/>
@@ -8608,6 +8600,158 @@
               <a:t>LibOS</a:t>
             </a:r>
             <a:endParaRPr lang="en-US" dirty="0"/>
+          </a:p>
+        </p:txBody>
+      </p:sp>
+      <p:sp>
+        <p:nvSpPr>
+          <p:cNvPr id="4" name="L-Shape 3"/>
+          <p:cNvSpPr/>
+          <p:nvPr/>
+        </p:nvSpPr>
+        <p:spPr>
+          <a:xfrm>
+            <a:off x="7559040" y="2350091"/>
+            <a:ext cx="396240" cy="734046"/>
+          </a:xfrm>
+          <a:prstGeom prst="corner">
+            <a:avLst/>
+          </a:prstGeom>
+          <a:solidFill>
+            <a:schemeClr val="accent6">
+              <a:lumMod val="60000"/>
+              <a:lumOff val="40000"/>
+            </a:schemeClr>
+          </a:solidFill>
+          <a:ln>
+            <a:noFill/>
+          </a:ln>
+        </p:spPr>
+        <p:style>
+          <a:lnRef idx="2">
+            <a:schemeClr val="accent1">
+              <a:shade val="50000"/>
+            </a:schemeClr>
+          </a:lnRef>
+          <a:fillRef idx="1">
+            <a:schemeClr val="accent1"/>
+          </a:fillRef>
+          <a:effectRef idx="0">
+            <a:schemeClr val="accent1"/>
+          </a:effectRef>
+          <a:fontRef idx="minor">
+            <a:schemeClr val="lt1"/>
+          </a:fontRef>
+        </p:style>
+        <p:txBody>
+          <a:bodyPr rtlCol="0" anchor="ctr"/>
+          <a:lstStyle/>
+          <a:p>
+            <a:pPr algn="ctr"/>
+            <a:endParaRPr lang="en-US"/>
+          </a:p>
+        </p:txBody>
+      </p:sp>
+      <p:sp>
+        <p:nvSpPr>
+          <p:cNvPr id="13" name="L-Shape 12"/>
+          <p:cNvSpPr/>
+          <p:nvPr/>
+        </p:nvSpPr>
+        <p:spPr>
+          <a:xfrm flipH="1">
+            <a:off x="7335520" y="2350091"/>
+            <a:ext cx="432938" cy="734046"/>
+          </a:xfrm>
+          <a:prstGeom prst="corner">
+            <a:avLst/>
+          </a:prstGeom>
+          <a:solidFill>
+            <a:schemeClr val="accent6">
+              <a:lumMod val="60000"/>
+              <a:lumOff val="40000"/>
+            </a:schemeClr>
+          </a:solidFill>
+          <a:ln>
+            <a:noFill/>
+          </a:ln>
+        </p:spPr>
+        <p:style>
+          <a:lnRef idx="2">
+            <a:schemeClr val="accent1">
+              <a:shade val="50000"/>
+            </a:schemeClr>
+          </a:lnRef>
+          <a:fillRef idx="1">
+            <a:schemeClr val="accent1"/>
+          </a:fillRef>
+          <a:effectRef idx="0">
+            <a:schemeClr val="accent1"/>
+          </a:effectRef>
+          <a:fontRef idx="minor">
+            <a:schemeClr val="lt1"/>
+          </a:fontRef>
+        </p:style>
+        <p:txBody>
+          <a:bodyPr rtlCol="0" anchor="ctr"/>
+          <a:lstStyle/>
+          <a:p>
+            <a:pPr algn="ctr"/>
+            <a:endParaRPr lang="en-US"/>
+          </a:p>
+        </p:txBody>
+      </p:sp>
+      <p:sp>
+        <p:nvSpPr>
+          <p:cNvPr id="5" name="TextBox 4"/>
+          <p:cNvSpPr txBox="1"/>
+          <p:nvPr/>
+        </p:nvSpPr>
+        <p:spPr>
+          <a:xfrm>
+            <a:off x="6752255" y="3044102"/>
+            <a:ext cx="1830629" cy="369332"/>
+          </a:xfrm>
+          <a:prstGeom prst="rect">
+            <a:avLst/>
+          </a:prstGeom>
+          <a:noFill/>
+        </p:spPr>
+        <p:txBody>
+          <a:bodyPr wrap="none" rtlCol="0">
+            <a:spAutoFit/>
+          </a:bodyPr>
+          <a:lstStyle/>
+          <a:p>
+            <a:r>
+              <a:rPr lang="en-US" smtClean="0">
+                <a:solidFill>
+                  <a:schemeClr val="bg1"/>
+                </a:solidFill>
+              </a:rPr>
+              <a:t>Narrow </a:t>
+            </a:r>
+            <a:r>
+              <a:rPr lang="en-US" smtClean="0">
+                <a:solidFill>
+                  <a:schemeClr val="bg1"/>
+                </a:solidFill>
+              </a:rPr>
+              <a:t> </a:t>
+            </a:r>
+            <a:r>
+              <a:rPr lang="en-US" dirty="0" smtClean="0">
+                <a:solidFill>
+                  <a:schemeClr val="bg1"/>
+                </a:solidFill>
+              </a:rPr>
+              <a:t>Interface</a:t>
+            </a:r>
+            <a:endParaRPr lang="en-US" dirty="0">
+              <a:solidFill>
+                <a:schemeClr val="bg1"/>
+              </a:solidFill>
+            </a:endParaRPr>
           </a:p>
         </p:txBody>
       </p:sp>
